--- a/Inicio segundo semestre/Presentacion_final_software (1).pptx
+++ b/Inicio segundo semestre/Presentacion_final_software (1).pptx
@@ -5,7 +5,7 @@
     <p:sldMasterId id="2147483660" r:id="rId1"/>
   </p:sldMasterIdLst>
   <p:notesMasterIdLst>
-    <p:notesMasterId r:id="rId10"/>
+    <p:notesMasterId r:id="rId11"/>
   </p:notesMasterIdLst>
   <p:sldIdLst>
     <p:sldId id="256" r:id="rId2"/>
@@ -15,25 +15,27 @@
     <p:sldId id="261" r:id="rId6"/>
     <p:sldId id="264" r:id="rId7"/>
     <p:sldId id="265" r:id="rId8"/>
-    <p:sldId id="266" r:id="rId9"/>
+    <p:sldId id="267" r:id="rId9"/>
+    <p:sldId id="266" r:id="rId10"/>
   </p:sldIdLst>
   <p:sldSz cx="12192000" cy="6858000"/>
   <p:notesSz cx="6858000" cy="9144000"/>
   <p:embeddedFontLst>
     <p:embeddedFont>
-      <p:font typeface="Tw Cen MT" panose="020B0602020104020603" pitchFamily="34" charset="0"/>
-      <p:regular r:id="rId11"/>
-      <p:bold r:id="rId12"/>
-      <p:italic r:id="rId13"/>
+      <p:font typeface="Wingdings 3" panose="05040102010807070707" pitchFamily="18" charset="2"/>
+      <p:regular r:id="rId12"/>
     </p:embeddedFont>
     <p:embeddedFont>
       <p:font typeface="Tw Cen MT Condensed" panose="020B0606020104020203" pitchFamily="34" charset="0"/>
-      <p:regular r:id="rId14"/>
-      <p:bold r:id="rId15"/>
+      <p:regular r:id="rId13"/>
+      <p:bold r:id="rId14"/>
     </p:embeddedFont>
     <p:embeddedFont>
-      <p:font typeface="Wingdings 3" panose="05040102010807070707" pitchFamily="82" charset="2"/>
-      <p:regular r:id="rId16"/>
+      <p:font typeface="Tw Cen MT" panose="020B0602020104020603" pitchFamily="34" charset="0"/>
+      <p:regular r:id="rId15"/>
+      <p:bold r:id="rId16"/>
+      <p:italic r:id="rId17"/>
+      <p:boldItalic r:id="rId18"/>
     </p:embeddedFont>
   </p:embeddedFontLst>
   <p:defaultTextStyle>
@@ -5217,6 +5219,13 @@
         </dgm:presLayoutVars>
       </dgm:prSet>
       <dgm:spPr/>
+      <dgm:t>
+        <a:bodyPr/>
+        <a:lstStyle/>
+        <a:p>
+          <a:endParaRPr lang="es-ES"/>
+        </a:p>
+      </dgm:t>
     </dgm:pt>
     <dgm:pt modelId="{7ADB6D71-B60A-4209-BF52-CE8A3C9A143B}" type="pres">
       <dgm:prSet presAssocID="{462AD696-0AB5-4C98-A0D4-FD1BF3B6B29F}" presName="compNode" presStyleCnt="0"/>
@@ -5236,7 +5245,7 @@
                 <a14:useLocalDpi xmlns:a14="http://schemas.microsoft.com/office/drawing/2010/main" val="0"/>
               </a:ext>
               <a:ext uri="{96DAC541-7B7A-43D3-8B79-37D633B846F1}">
-                <asvg:svgBlip xmlns:asvg="http://schemas.microsoft.com/office/drawing/2016/SVG/main" r:embed="rId2"/>
+                <asvg:svgBlip xmlns:asvg="http://schemas.microsoft.com/office/drawing/2016/SVG/main" xmlns="" r:embed="rId2"/>
               </a:ext>
             </a:extLst>
           </a:blip>
@@ -5266,6 +5275,13 @@
         </dgm:presLayoutVars>
       </dgm:prSet>
       <dgm:spPr/>
+      <dgm:t>
+        <a:bodyPr/>
+        <a:lstStyle/>
+        <a:p>
+          <a:endParaRPr lang="es-ES"/>
+        </a:p>
+      </dgm:t>
     </dgm:pt>
     <dgm:pt modelId="{06694FD9-5322-4813-A199-735FD0815E78}" type="pres">
       <dgm:prSet presAssocID="{ED021058-3A72-4061-BAD3-93D65B4705FB}" presName="sibTrans" presStyleCnt="0"/>
@@ -5289,7 +5305,7 @@
                 <a14:useLocalDpi xmlns:a14="http://schemas.microsoft.com/office/drawing/2010/main" val="0"/>
               </a:ext>
               <a:ext uri="{96DAC541-7B7A-43D3-8B79-37D633B846F1}">
-                <asvg:svgBlip xmlns:asvg="http://schemas.microsoft.com/office/drawing/2016/SVG/main" r:embed="rId4"/>
+                <asvg:svgBlip xmlns:asvg="http://schemas.microsoft.com/office/drawing/2016/SVG/main" xmlns="" r:embed="rId4"/>
               </a:ext>
             </a:extLst>
           </a:blip>
@@ -5319,6 +5335,13 @@
         </dgm:presLayoutVars>
       </dgm:prSet>
       <dgm:spPr/>
+      <dgm:t>
+        <a:bodyPr/>
+        <a:lstStyle/>
+        <a:p>
+          <a:endParaRPr lang="es-ES"/>
+        </a:p>
+      </dgm:t>
     </dgm:pt>
     <dgm:pt modelId="{09591076-D60A-4B36-A28B-F4FBA052E278}" type="pres">
       <dgm:prSet presAssocID="{C7C1015F-0782-4A25-8A7C-305006BA687D}" presName="sibTrans" presStyleCnt="0"/>
@@ -5342,7 +5365,7 @@
                 <a14:useLocalDpi xmlns:a14="http://schemas.microsoft.com/office/drawing/2010/main" val="0"/>
               </a:ext>
               <a:ext uri="{96DAC541-7B7A-43D3-8B79-37D633B846F1}">
-                <asvg:svgBlip xmlns:asvg="http://schemas.microsoft.com/office/drawing/2016/SVG/main" r:embed="rId6"/>
+                <asvg:svgBlip xmlns:asvg="http://schemas.microsoft.com/office/drawing/2016/SVG/main" xmlns="" r:embed="rId6"/>
               </a:ext>
             </a:extLst>
           </a:blip>
@@ -5373,6 +5396,13 @@
         </dgm:presLayoutVars>
       </dgm:prSet>
       <dgm:spPr/>
+      <dgm:t>
+        <a:bodyPr/>
+        <a:lstStyle/>
+        <a:p>
+          <a:endParaRPr lang="es-ES"/>
+        </a:p>
+      </dgm:t>
     </dgm:pt>
     <dgm:pt modelId="{2D5F63BC-50F7-4537-A4C3-375AEB581B69}" type="pres">
       <dgm:prSet presAssocID="{47606CFD-A4CE-4B6A-A57F-F9292B947439}" presName="sibTrans" presStyleCnt="0"/>
@@ -5396,7 +5426,7 @@
                 <a14:useLocalDpi xmlns:a14="http://schemas.microsoft.com/office/drawing/2010/main" val="0"/>
               </a:ext>
               <a:ext uri="{96DAC541-7B7A-43D3-8B79-37D633B846F1}">
-                <asvg:svgBlip xmlns:asvg="http://schemas.microsoft.com/office/drawing/2016/SVG/main" r:embed="rId8"/>
+                <asvg:svgBlip xmlns:asvg="http://schemas.microsoft.com/office/drawing/2016/SVG/main" xmlns="" r:embed="rId8"/>
               </a:ext>
             </a:extLst>
           </a:blip>
@@ -5427,18 +5457,25 @@
         </dgm:presLayoutVars>
       </dgm:prSet>
       <dgm:spPr/>
+      <dgm:t>
+        <a:bodyPr/>
+        <a:lstStyle/>
+        <a:p>
+          <a:endParaRPr lang="es-ES"/>
+        </a:p>
+      </dgm:t>
     </dgm:pt>
   </dgm:ptLst>
   <dgm:cxnLst>
+    <dgm:cxn modelId="{1FE97A29-BCB0-4AF0-83E1-BF021629F54A}" type="presOf" srcId="{5D97BA38-42B6-4F05-B4E8-8DD96F231D22}" destId="{D35D1FBF-C99D-4B90-942B-D32770917625}" srcOrd="0" destOrd="0" presId="urn:microsoft.com/office/officeart/2018/2/layout/IconVerticalSolidList"/>
+    <dgm:cxn modelId="{2432849A-E447-4F9A-91FE-58DBC8242B7C}" type="presOf" srcId="{2F874CB4-3EE5-4095-A879-641A0AED66EE}" destId="{01419BBD-5E95-41DD-8858-DED097ADCB2F}" srcOrd="0" destOrd="0" presId="urn:microsoft.com/office/officeart/2018/2/layout/IconVerticalSolidList"/>
+    <dgm:cxn modelId="{82C7F065-3A14-43AF-A8BA-7F8F3DE1249C}" srcId="{5D97BA38-42B6-4F05-B4E8-8DD96F231D22}" destId="{462AD696-0AB5-4C98-A0D4-FD1BF3B6B29F}" srcOrd="0" destOrd="0" parTransId="{AEA029FE-E3D4-476C-B9FA-5E699AFF18DC}" sibTransId="{ED021058-3A72-4061-BAD3-93D65B4705FB}"/>
+    <dgm:cxn modelId="{07B323AC-8046-4317-8FB6-EA90222F8EB4}" type="presOf" srcId="{E4371704-F7CE-4005-A5E1-61CD3B06ACDE}" destId="{AA9EC242-A46E-455D-856A-8D760ACD8E36}" srcOrd="0" destOrd="0" presId="urn:microsoft.com/office/officeart/2018/2/layout/IconVerticalSolidList"/>
+    <dgm:cxn modelId="{9CF7FF1C-6256-432E-A709-FCD65C049E3A}" srcId="{5D97BA38-42B6-4F05-B4E8-8DD96F231D22}" destId="{2F874CB4-3EE5-4095-A879-641A0AED66EE}" srcOrd="3" destOrd="0" parTransId="{B873302B-E7E6-4415-B540-B00DA420FFBB}" sibTransId="{9DF50380-DB08-41EF-A0F6-D1526482DB22}"/>
+    <dgm:cxn modelId="{82D776C1-6A99-4C85-9432-B6C0C3A970EC}" srcId="{5D97BA38-42B6-4F05-B4E8-8DD96F231D22}" destId="{864BDC85-1E49-4231-B282-A01F6760D7A0}" srcOrd="1" destOrd="0" parTransId="{04C25AE1-7BF2-4905-A862-54D19F4305BF}" sibTransId="{C7C1015F-0782-4A25-8A7C-305006BA687D}"/>
+    <dgm:cxn modelId="{8BA2C043-71F6-4B97-A4F5-A98096F0C11E}" srcId="{5D97BA38-42B6-4F05-B4E8-8DD96F231D22}" destId="{E4371704-F7CE-4005-A5E1-61CD3B06ACDE}" srcOrd="2" destOrd="0" parTransId="{775BBD5F-C263-4338-8081-CF2832D9C2B2}" sibTransId="{47606CFD-A4CE-4B6A-A57F-F9292B947439}"/>
+    <dgm:cxn modelId="{C7EB61C3-3BDB-4D07-A2C7-3E213E588946}" type="presOf" srcId="{864BDC85-1E49-4231-B282-A01F6760D7A0}" destId="{8912687A-0A5E-4B7D-8387-F1C9D609A487}" srcOrd="0" destOrd="0" presId="urn:microsoft.com/office/officeart/2018/2/layout/IconVerticalSolidList"/>
     <dgm:cxn modelId="{F802B914-D3A0-45C0-8B2E-C4B34E067DB0}" type="presOf" srcId="{462AD696-0AB5-4C98-A0D4-FD1BF3B6B29F}" destId="{1E3D9B3B-58F5-4D14-B176-91152A0B9F81}" srcOrd="0" destOrd="0" presId="urn:microsoft.com/office/officeart/2018/2/layout/IconVerticalSolidList"/>
-    <dgm:cxn modelId="{9CF7FF1C-6256-432E-A709-FCD65C049E3A}" srcId="{5D97BA38-42B6-4F05-B4E8-8DD96F231D22}" destId="{2F874CB4-3EE5-4095-A879-641A0AED66EE}" srcOrd="3" destOrd="0" parTransId="{B873302B-E7E6-4415-B540-B00DA420FFBB}" sibTransId="{9DF50380-DB08-41EF-A0F6-D1526482DB22}"/>
-    <dgm:cxn modelId="{1FE97A29-BCB0-4AF0-83E1-BF021629F54A}" type="presOf" srcId="{5D97BA38-42B6-4F05-B4E8-8DD96F231D22}" destId="{D35D1FBF-C99D-4B90-942B-D32770917625}" srcOrd="0" destOrd="0" presId="urn:microsoft.com/office/officeart/2018/2/layout/IconVerticalSolidList"/>
-    <dgm:cxn modelId="{8BA2C043-71F6-4B97-A4F5-A98096F0C11E}" srcId="{5D97BA38-42B6-4F05-B4E8-8DD96F231D22}" destId="{E4371704-F7CE-4005-A5E1-61CD3B06ACDE}" srcOrd="2" destOrd="0" parTransId="{775BBD5F-C263-4338-8081-CF2832D9C2B2}" sibTransId="{47606CFD-A4CE-4B6A-A57F-F9292B947439}"/>
-    <dgm:cxn modelId="{82C7F065-3A14-43AF-A8BA-7F8F3DE1249C}" srcId="{5D97BA38-42B6-4F05-B4E8-8DD96F231D22}" destId="{462AD696-0AB5-4C98-A0D4-FD1BF3B6B29F}" srcOrd="0" destOrd="0" parTransId="{AEA029FE-E3D4-476C-B9FA-5E699AFF18DC}" sibTransId="{ED021058-3A72-4061-BAD3-93D65B4705FB}"/>
-    <dgm:cxn modelId="{2432849A-E447-4F9A-91FE-58DBC8242B7C}" type="presOf" srcId="{2F874CB4-3EE5-4095-A879-641A0AED66EE}" destId="{01419BBD-5E95-41DD-8858-DED097ADCB2F}" srcOrd="0" destOrd="0" presId="urn:microsoft.com/office/officeart/2018/2/layout/IconVerticalSolidList"/>
-    <dgm:cxn modelId="{07B323AC-8046-4317-8FB6-EA90222F8EB4}" type="presOf" srcId="{E4371704-F7CE-4005-A5E1-61CD3B06ACDE}" destId="{AA9EC242-A46E-455D-856A-8D760ACD8E36}" srcOrd="0" destOrd="0" presId="urn:microsoft.com/office/officeart/2018/2/layout/IconVerticalSolidList"/>
-    <dgm:cxn modelId="{82D776C1-6A99-4C85-9432-B6C0C3A970EC}" srcId="{5D97BA38-42B6-4F05-B4E8-8DD96F231D22}" destId="{864BDC85-1E49-4231-B282-A01F6760D7A0}" srcOrd="1" destOrd="0" parTransId="{04C25AE1-7BF2-4905-A862-54D19F4305BF}" sibTransId="{C7C1015F-0782-4A25-8A7C-305006BA687D}"/>
-    <dgm:cxn modelId="{C7EB61C3-3BDB-4D07-A2C7-3E213E588946}" type="presOf" srcId="{864BDC85-1E49-4231-B282-A01F6760D7A0}" destId="{8912687A-0A5E-4B7D-8387-F1C9D609A487}" srcOrd="0" destOrd="0" presId="urn:microsoft.com/office/officeart/2018/2/layout/IconVerticalSolidList"/>
     <dgm:cxn modelId="{31BE72BA-73F5-41BB-80E4-E60B63254CC1}" type="presParOf" srcId="{D35D1FBF-C99D-4B90-942B-D32770917625}" destId="{7ADB6D71-B60A-4209-BF52-CE8A3C9A143B}" srcOrd="0" destOrd="0" presId="urn:microsoft.com/office/officeart/2018/2/layout/IconVerticalSolidList"/>
     <dgm:cxn modelId="{35B8F9F6-F637-406D-ACD7-C9CBDF81BE9E}" type="presParOf" srcId="{7ADB6D71-B60A-4209-BF52-CE8A3C9A143B}" destId="{21EBADD1-8383-4969-A88C-A733434EAFD8}" srcOrd="0" destOrd="0" presId="urn:microsoft.com/office/officeart/2018/2/layout/IconVerticalSolidList"/>
     <dgm:cxn modelId="{72952B0A-02A4-4CBD-86E4-9FC9E49CE770}" type="presParOf" srcId="{7ADB6D71-B60A-4209-BF52-CE8A3C9A143B}" destId="{FD76431F-F975-4355-88B5-690F8B40BB53}" srcOrd="1" destOrd="0" presId="urn:microsoft.com/office/officeart/2018/2/layout/IconVerticalSolidList"/>
@@ -5644,6 +5681,13 @@
         </dgm:presLayoutVars>
       </dgm:prSet>
       <dgm:spPr/>
+      <dgm:t>
+        <a:bodyPr/>
+        <a:lstStyle/>
+        <a:p>
+          <a:endParaRPr lang="es-ES"/>
+        </a:p>
+      </dgm:t>
     </dgm:pt>
     <dgm:pt modelId="{B1208156-DA90-4EA9-9121-B3DA31AB3708}" type="pres">
       <dgm:prSet presAssocID="{4E61F535-0DED-4109-A722-A94FC94A4235}" presName="dummyMaxCanvas" presStyleCnt="0">
@@ -5658,6 +5702,13 @@
         </dgm:presLayoutVars>
       </dgm:prSet>
       <dgm:spPr/>
+      <dgm:t>
+        <a:bodyPr/>
+        <a:lstStyle/>
+        <a:p>
+          <a:endParaRPr lang="es-ES"/>
+        </a:p>
+      </dgm:t>
     </dgm:pt>
     <dgm:pt modelId="{217D7553-2791-4D07-8C69-340165A5CF43}" type="pres">
       <dgm:prSet presAssocID="{4E61F535-0DED-4109-A722-A94FC94A4235}" presName="FourNodes_2" presStyleLbl="node1" presStyleIdx="1" presStyleCnt="4">
@@ -5666,6 +5717,13 @@
         </dgm:presLayoutVars>
       </dgm:prSet>
       <dgm:spPr/>
+      <dgm:t>
+        <a:bodyPr/>
+        <a:lstStyle/>
+        <a:p>
+          <a:endParaRPr lang="es-ES"/>
+        </a:p>
+      </dgm:t>
     </dgm:pt>
     <dgm:pt modelId="{FDA412F3-1171-4222-B1CD-B5C5475E6EDB}" type="pres">
       <dgm:prSet presAssocID="{4E61F535-0DED-4109-A722-A94FC94A4235}" presName="FourNodes_3" presStyleLbl="node1" presStyleIdx="2" presStyleCnt="4">
@@ -5674,6 +5732,13 @@
         </dgm:presLayoutVars>
       </dgm:prSet>
       <dgm:spPr/>
+      <dgm:t>
+        <a:bodyPr/>
+        <a:lstStyle/>
+        <a:p>
+          <a:endParaRPr lang="es-ES"/>
+        </a:p>
+      </dgm:t>
     </dgm:pt>
     <dgm:pt modelId="{7ADD850B-3CE2-45D1-966E-9EABFDB0EDF9}" type="pres">
       <dgm:prSet presAssocID="{4E61F535-0DED-4109-A722-A94FC94A4235}" presName="FourNodes_4" presStyleLbl="node1" presStyleIdx="3" presStyleCnt="4">
@@ -5682,6 +5747,13 @@
         </dgm:presLayoutVars>
       </dgm:prSet>
       <dgm:spPr/>
+      <dgm:t>
+        <a:bodyPr/>
+        <a:lstStyle/>
+        <a:p>
+          <a:endParaRPr lang="es-ES"/>
+        </a:p>
+      </dgm:t>
     </dgm:pt>
     <dgm:pt modelId="{ACF01CBA-8D96-435D-9DFF-4D2F6F6DFD0B}" type="pres">
       <dgm:prSet presAssocID="{4E61F535-0DED-4109-A722-A94FC94A4235}" presName="FourConn_1-2" presStyleLbl="fgAccFollowNode1" presStyleIdx="0" presStyleCnt="3">
@@ -5690,6 +5762,13 @@
         </dgm:presLayoutVars>
       </dgm:prSet>
       <dgm:spPr/>
+      <dgm:t>
+        <a:bodyPr/>
+        <a:lstStyle/>
+        <a:p>
+          <a:endParaRPr lang="es-ES"/>
+        </a:p>
+      </dgm:t>
     </dgm:pt>
     <dgm:pt modelId="{1AEDCCD1-1907-430F-A2CA-2802F680E66E}" type="pres">
       <dgm:prSet presAssocID="{4E61F535-0DED-4109-A722-A94FC94A4235}" presName="FourConn_2-3" presStyleLbl="fgAccFollowNode1" presStyleIdx="1" presStyleCnt="3">
@@ -5698,6 +5777,13 @@
         </dgm:presLayoutVars>
       </dgm:prSet>
       <dgm:spPr/>
+      <dgm:t>
+        <a:bodyPr/>
+        <a:lstStyle/>
+        <a:p>
+          <a:endParaRPr lang="es-ES"/>
+        </a:p>
+      </dgm:t>
     </dgm:pt>
     <dgm:pt modelId="{EB2DB5D4-63D7-4081-B295-0574B3236AE5}" type="pres">
       <dgm:prSet presAssocID="{4E61F535-0DED-4109-A722-A94FC94A4235}" presName="FourConn_3-4" presStyleLbl="fgAccFollowNode1" presStyleIdx="2" presStyleCnt="3">
@@ -5706,6 +5792,13 @@
         </dgm:presLayoutVars>
       </dgm:prSet>
       <dgm:spPr/>
+      <dgm:t>
+        <a:bodyPr/>
+        <a:lstStyle/>
+        <a:p>
+          <a:endParaRPr lang="es-ES"/>
+        </a:p>
+      </dgm:t>
     </dgm:pt>
     <dgm:pt modelId="{52E76376-5E0B-436D-A63B-B69A8DC320DB}" type="pres">
       <dgm:prSet presAssocID="{4E61F535-0DED-4109-A722-A94FC94A4235}" presName="FourNodes_1_text" presStyleLbl="node1" presStyleIdx="3" presStyleCnt="4">
@@ -5714,6 +5807,13 @@
         </dgm:presLayoutVars>
       </dgm:prSet>
       <dgm:spPr/>
+      <dgm:t>
+        <a:bodyPr/>
+        <a:lstStyle/>
+        <a:p>
+          <a:endParaRPr lang="es-ES"/>
+        </a:p>
+      </dgm:t>
     </dgm:pt>
     <dgm:pt modelId="{91E377A1-9CA2-4E32-83AC-A33630325A91}" type="pres">
       <dgm:prSet presAssocID="{4E61F535-0DED-4109-A722-A94FC94A4235}" presName="FourNodes_2_text" presStyleLbl="node1" presStyleIdx="3" presStyleCnt="4">
@@ -5722,6 +5822,13 @@
         </dgm:presLayoutVars>
       </dgm:prSet>
       <dgm:spPr/>
+      <dgm:t>
+        <a:bodyPr/>
+        <a:lstStyle/>
+        <a:p>
+          <a:endParaRPr lang="es-ES"/>
+        </a:p>
+      </dgm:t>
     </dgm:pt>
     <dgm:pt modelId="{159D0DB0-6A04-44E6-B0B2-5F4D611EEA97}" type="pres">
       <dgm:prSet presAssocID="{4E61F535-0DED-4109-A722-A94FC94A4235}" presName="FourNodes_3_text" presStyleLbl="node1" presStyleIdx="3" presStyleCnt="4">
@@ -5730,6 +5837,13 @@
         </dgm:presLayoutVars>
       </dgm:prSet>
       <dgm:spPr/>
+      <dgm:t>
+        <a:bodyPr/>
+        <a:lstStyle/>
+        <a:p>
+          <a:endParaRPr lang="es-ES"/>
+        </a:p>
+      </dgm:t>
     </dgm:pt>
     <dgm:pt modelId="{64AE514D-D4A5-4ACC-9CC1-5E53AEFDA2A2}" type="pres">
       <dgm:prSet presAssocID="{4E61F535-0DED-4109-A722-A94FC94A4235}" presName="FourNodes_4_text" presStyleLbl="node1" presStyleIdx="3" presStyleCnt="4">
@@ -5738,25 +5852,32 @@
         </dgm:presLayoutVars>
       </dgm:prSet>
       <dgm:spPr/>
+      <dgm:t>
+        <a:bodyPr/>
+        <a:lstStyle/>
+        <a:p>
+          <a:endParaRPr lang="es-ES"/>
+        </a:p>
+      </dgm:t>
     </dgm:pt>
   </dgm:ptLst>
   <dgm:cxnLst>
-    <dgm:cxn modelId="{7059AC40-208C-43A7-95FF-3F66DFB7B8F8}" type="presOf" srcId="{B2980349-CAC8-4132-B6E3-C615078EEE0A}" destId="{52E76376-5E0B-436D-A63B-B69A8DC320DB}" srcOrd="1" destOrd="0" presId="urn:microsoft.com/office/officeart/2005/8/layout/vProcess5"/>
+    <dgm:cxn modelId="{81792972-8BA0-4215-A533-A776EB7C4C0F}" type="presOf" srcId="{0FDD695E-341F-4945-9635-76379BE772DF}" destId="{ACF01CBA-8D96-435D-9DFF-4D2F6F6DFD0B}" srcOrd="0" destOrd="0" presId="urn:microsoft.com/office/officeart/2005/8/layout/vProcess5"/>
     <dgm:cxn modelId="{6983AC6C-8FC0-4749-94D3-B31A91CEA60A}" type="presOf" srcId="{AC8C0508-E17D-41F7-833F-811FB66B9EDF}" destId="{64AE514D-D4A5-4ACC-9CC1-5E53AEFDA2A2}" srcOrd="1" destOrd="0" presId="urn:microsoft.com/office/officeart/2005/8/layout/vProcess5"/>
+    <dgm:cxn modelId="{1EDA79DD-709E-41A1-AAB7-079BC6772B11}" srcId="{4E61F535-0DED-4109-A722-A94FC94A4235}" destId="{B2980349-CAC8-4132-B6E3-C615078EEE0A}" srcOrd="0" destOrd="0" parTransId="{BF363CE3-E15C-4564-B5A5-27648779305B}" sibTransId="{0FDD695E-341F-4945-9635-76379BE772DF}"/>
+    <dgm:cxn modelId="{92ABA3DF-015D-40D0-93A7-236A90262D5E}" type="presOf" srcId="{883094C4-74FC-456E-9E63-7524D8CB7D90}" destId="{217D7553-2791-4D07-8C69-340165A5CF43}" srcOrd="0" destOrd="0" presId="urn:microsoft.com/office/officeart/2005/8/layout/vProcess5"/>
     <dgm:cxn modelId="{F69FB06D-9019-4D7E-93EA-6E6C82B12D66}" type="presOf" srcId="{AC8C0508-E17D-41F7-833F-811FB66B9EDF}" destId="{7ADD850B-3CE2-45D1-966E-9EABFDB0EDF9}" srcOrd="0" destOrd="0" presId="urn:microsoft.com/office/officeart/2005/8/layout/vProcess5"/>
-    <dgm:cxn modelId="{81792972-8BA0-4215-A533-A776EB7C4C0F}" type="presOf" srcId="{0FDD695E-341F-4945-9635-76379BE772DF}" destId="{ACF01CBA-8D96-435D-9DFF-4D2F6F6DFD0B}" srcOrd="0" destOrd="0" presId="urn:microsoft.com/office/officeart/2005/8/layout/vProcess5"/>
-    <dgm:cxn modelId="{CAC86F78-95E0-4576-8344-3788D33E48C9}" srcId="{4E61F535-0DED-4109-A722-A94FC94A4235}" destId="{AC8C0508-E17D-41F7-833F-811FB66B9EDF}" srcOrd="3" destOrd="0" parTransId="{F245F4AD-3DA7-49D9-BE6F-826027E89A3A}" sibTransId="{F3095C1D-D28A-410E-A836-80061A340CCA}"/>
-    <dgm:cxn modelId="{0CDDE981-62F9-4F6C-9104-24E6D84D2D54}" type="presOf" srcId="{5607D3BE-4758-49A1-AE94-A718CA6AB565}" destId="{FDA412F3-1171-4222-B1CD-B5C5475E6EDB}" srcOrd="0" destOrd="0" presId="urn:microsoft.com/office/officeart/2005/8/layout/vProcess5"/>
-    <dgm:cxn modelId="{EE10A485-6F46-43D2-A92C-71D77DBBA662}" type="presOf" srcId="{4E61F535-0DED-4109-A722-A94FC94A4235}" destId="{1A7F0E04-A7A9-4298-BD7C-FBADCF2C1E7F}" srcOrd="0" destOrd="0" presId="urn:microsoft.com/office/officeart/2005/8/layout/vProcess5"/>
-    <dgm:cxn modelId="{3A6FB49E-1E13-4F12-BD82-5FF65D26D092}" type="presOf" srcId="{883094C4-74FC-456E-9E63-7524D8CB7D90}" destId="{91E377A1-9CA2-4E32-83AC-A33630325A91}" srcOrd="1" destOrd="0" presId="urn:microsoft.com/office/officeart/2005/8/layout/vProcess5"/>
     <dgm:cxn modelId="{0F58E2C1-8CFC-43C6-B3D4-E55D2B8C986D}" srcId="{4E61F535-0DED-4109-A722-A94FC94A4235}" destId="{5607D3BE-4758-49A1-AE94-A718CA6AB565}" srcOrd="2" destOrd="0" parTransId="{47BC8E24-30EA-49F2-9777-3A7B6CD717D1}" sibTransId="{86B86EA3-FE8E-470D-B810-6248B37761C2}"/>
     <dgm:cxn modelId="{194DD2C9-60DB-4AF9-A94F-79753BB0F3C2}" srcId="{4E61F535-0DED-4109-A722-A94FC94A4235}" destId="{883094C4-74FC-456E-9E63-7524D8CB7D90}" srcOrd="1" destOrd="0" parTransId="{A3D91D80-C20F-45E1-8B1E-F94F5B7C4E0F}" sibTransId="{15A65268-EA74-4E4C-A901-5A11841F7716}"/>
-    <dgm:cxn modelId="{65E6B6CB-604D-4871-AA3B-1B2D77A67FD0}" type="presOf" srcId="{5607D3BE-4758-49A1-AE94-A718CA6AB565}" destId="{159D0DB0-6A04-44E6-B0B2-5F4D611EEA97}" srcOrd="1" destOrd="0" presId="urn:microsoft.com/office/officeart/2005/8/layout/vProcess5"/>
     <dgm:cxn modelId="{727D57D9-47FA-410D-8CA2-9C042D960227}" type="presOf" srcId="{15A65268-EA74-4E4C-A901-5A11841F7716}" destId="{1AEDCCD1-1907-430F-A2CA-2802F680E66E}" srcOrd="0" destOrd="0" presId="urn:microsoft.com/office/officeart/2005/8/layout/vProcess5"/>
-    <dgm:cxn modelId="{1EDA79DD-709E-41A1-AAB7-079BC6772B11}" srcId="{4E61F535-0DED-4109-A722-A94FC94A4235}" destId="{B2980349-CAC8-4132-B6E3-C615078EEE0A}" srcOrd="0" destOrd="0" parTransId="{BF363CE3-E15C-4564-B5A5-27648779305B}" sibTransId="{0FDD695E-341F-4945-9635-76379BE772DF}"/>
-    <dgm:cxn modelId="{92ABA3DF-015D-40D0-93A7-236A90262D5E}" type="presOf" srcId="{883094C4-74FC-456E-9E63-7524D8CB7D90}" destId="{217D7553-2791-4D07-8C69-340165A5CF43}" srcOrd="0" destOrd="0" presId="urn:microsoft.com/office/officeart/2005/8/layout/vProcess5"/>
+    <dgm:cxn modelId="{0CDDE981-62F9-4F6C-9104-24E6D84D2D54}" type="presOf" srcId="{5607D3BE-4758-49A1-AE94-A718CA6AB565}" destId="{FDA412F3-1171-4222-B1CD-B5C5475E6EDB}" srcOrd="0" destOrd="0" presId="urn:microsoft.com/office/officeart/2005/8/layout/vProcess5"/>
+    <dgm:cxn modelId="{CAC86F78-95E0-4576-8344-3788D33E48C9}" srcId="{4E61F535-0DED-4109-A722-A94FC94A4235}" destId="{AC8C0508-E17D-41F7-833F-811FB66B9EDF}" srcOrd="3" destOrd="0" parTransId="{F245F4AD-3DA7-49D9-BE6F-826027E89A3A}" sibTransId="{F3095C1D-D28A-410E-A836-80061A340CCA}"/>
+    <dgm:cxn modelId="{EE10A485-6F46-43D2-A92C-71D77DBBA662}" type="presOf" srcId="{4E61F535-0DED-4109-A722-A94FC94A4235}" destId="{1A7F0E04-A7A9-4298-BD7C-FBADCF2C1E7F}" srcOrd="0" destOrd="0" presId="urn:microsoft.com/office/officeart/2005/8/layout/vProcess5"/>
     <dgm:cxn modelId="{78D977E7-5FF9-4C63-92A8-5150E6672B09}" type="presOf" srcId="{86B86EA3-FE8E-470D-B810-6248B37761C2}" destId="{EB2DB5D4-63D7-4081-B295-0574B3236AE5}" srcOrd="0" destOrd="0" presId="urn:microsoft.com/office/officeart/2005/8/layout/vProcess5"/>
     <dgm:cxn modelId="{9300C9EB-B98B-4AE5-B1CF-F1D1BE286FF8}" type="presOf" srcId="{B2980349-CAC8-4132-B6E3-C615078EEE0A}" destId="{284A75FD-FC17-4DCC-A7E1-9C411EB9B86E}" srcOrd="0" destOrd="0" presId="urn:microsoft.com/office/officeart/2005/8/layout/vProcess5"/>
+    <dgm:cxn modelId="{3A6FB49E-1E13-4F12-BD82-5FF65D26D092}" type="presOf" srcId="{883094C4-74FC-456E-9E63-7524D8CB7D90}" destId="{91E377A1-9CA2-4E32-83AC-A33630325A91}" srcOrd="1" destOrd="0" presId="urn:microsoft.com/office/officeart/2005/8/layout/vProcess5"/>
+    <dgm:cxn modelId="{65E6B6CB-604D-4871-AA3B-1B2D77A67FD0}" type="presOf" srcId="{5607D3BE-4758-49A1-AE94-A718CA6AB565}" destId="{159D0DB0-6A04-44E6-B0B2-5F4D611EEA97}" srcOrd="1" destOrd="0" presId="urn:microsoft.com/office/officeart/2005/8/layout/vProcess5"/>
+    <dgm:cxn modelId="{7059AC40-208C-43A7-95FF-3F66DFB7B8F8}" type="presOf" srcId="{B2980349-CAC8-4132-B6E3-C615078EEE0A}" destId="{52E76376-5E0B-436D-A63B-B69A8DC320DB}" srcOrd="1" destOrd="0" presId="urn:microsoft.com/office/officeart/2005/8/layout/vProcess5"/>
     <dgm:cxn modelId="{228782F0-A541-4A4A-8818-E4ED580A0256}" type="presParOf" srcId="{1A7F0E04-A7A9-4298-BD7C-FBADCF2C1E7F}" destId="{B1208156-DA90-4EA9-9121-B3DA31AB3708}" srcOrd="0" destOrd="0" presId="urn:microsoft.com/office/officeart/2005/8/layout/vProcess5"/>
     <dgm:cxn modelId="{7AA540AC-9970-4A3F-8712-1750A7B39CDE}" type="presParOf" srcId="{1A7F0E04-A7A9-4298-BD7C-FBADCF2C1E7F}" destId="{284A75FD-FC17-4DCC-A7E1-9C411EB9B86E}" srcOrd="1" destOrd="0" presId="urn:microsoft.com/office/officeart/2005/8/layout/vProcess5"/>
     <dgm:cxn modelId="{C22F4667-24A3-4F13-98EF-A2249040DF12}" type="presParOf" srcId="{1A7F0E04-A7A9-4298-BD7C-FBADCF2C1E7F}" destId="{217D7553-2791-4D07-8C69-340165A5CF43}" srcOrd="2" destOrd="0" presId="urn:microsoft.com/office/officeart/2005/8/layout/vProcess5"/>
@@ -6042,6 +6163,13 @@
         </dgm:presLayoutVars>
       </dgm:prSet>
       <dgm:spPr/>
+      <dgm:t>
+        <a:bodyPr/>
+        <a:lstStyle/>
+        <a:p>
+          <a:endParaRPr lang="es-ES"/>
+        </a:p>
+      </dgm:t>
     </dgm:pt>
     <dgm:pt modelId="{0D3ADDE8-AF69-4EDB-A32A-7A2F86F42936}" type="pres">
       <dgm:prSet presAssocID="{5A82E772-3F6E-4744-ACDB-ED27435FC8A5}" presName="compNode" presStyleCnt="0"/>
@@ -6068,7 +6196,7 @@
                 <a14:useLocalDpi xmlns:a14="http://schemas.microsoft.com/office/drawing/2010/main" val="0"/>
               </a:ext>
               <a:ext uri="{96DAC541-7B7A-43D3-8B79-37D633B846F1}">
-                <asvg:svgBlip xmlns:asvg="http://schemas.microsoft.com/office/drawing/2016/SVG/main" r:embed="rId2"/>
+                <asvg:svgBlip xmlns:asvg="http://schemas.microsoft.com/office/drawing/2016/SVG/main" xmlns="" r:embed="rId2"/>
               </a:ext>
             </a:extLst>
           </a:blip>
@@ -6099,6 +6227,13 @@
         </dgm:presLayoutVars>
       </dgm:prSet>
       <dgm:spPr/>
+      <dgm:t>
+        <a:bodyPr/>
+        <a:lstStyle/>
+        <a:p>
+          <a:endParaRPr lang="es-ES"/>
+        </a:p>
+      </dgm:t>
     </dgm:pt>
     <dgm:pt modelId="{8E522213-FC90-4702-876B-F39E82767B41}" type="pres">
       <dgm:prSet presAssocID="{1C0D0863-6DC6-4D6F-956B-06DCA4661632}" presName="sibTrans" presStyleCnt="0"/>
@@ -6129,7 +6264,7 @@
                 <a14:useLocalDpi xmlns:a14="http://schemas.microsoft.com/office/drawing/2010/main" val="0"/>
               </a:ext>
               <a:ext uri="{96DAC541-7B7A-43D3-8B79-37D633B846F1}">
-                <asvg:svgBlip xmlns:asvg="http://schemas.microsoft.com/office/drawing/2016/SVG/main" r:embed="rId4"/>
+                <asvg:svgBlip xmlns:asvg="http://schemas.microsoft.com/office/drawing/2016/SVG/main" xmlns="" r:embed="rId4"/>
               </a:ext>
             </a:extLst>
           </a:blip>
@@ -6160,6 +6295,13 @@
         </dgm:presLayoutVars>
       </dgm:prSet>
       <dgm:spPr/>
+      <dgm:t>
+        <a:bodyPr/>
+        <a:lstStyle/>
+        <a:p>
+          <a:endParaRPr lang="es-ES"/>
+        </a:p>
+      </dgm:t>
     </dgm:pt>
     <dgm:pt modelId="{D7B07B12-7251-4A6D-8E35-F99442602C19}" type="pres">
       <dgm:prSet presAssocID="{D5D33294-7CF3-48EE-8A94-4F9198556346}" presName="sibTrans" presStyleCnt="0"/>
@@ -6190,7 +6332,7 @@
                 <a14:useLocalDpi xmlns:a14="http://schemas.microsoft.com/office/drawing/2010/main" val="0"/>
               </a:ext>
               <a:ext uri="{96DAC541-7B7A-43D3-8B79-37D633B846F1}">
-                <asvg:svgBlip xmlns:asvg="http://schemas.microsoft.com/office/drawing/2016/SVG/main" r:embed="rId6"/>
+                <asvg:svgBlip xmlns:asvg="http://schemas.microsoft.com/office/drawing/2016/SVG/main" xmlns="" r:embed="rId6"/>
               </a:ext>
             </a:extLst>
           </a:blip>
@@ -6220,6 +6362,13 @@
         </dgm:presLayoutVars>
       </dgm:prSet>
       <dgm:spPr/>
+      <dgm:t>
+        <a:bodyPr/>
+        <a:lstStyle/>
+        <a:p>
+          <a:endParaRPr lang="es-ES"/>
+        </a:p>
+      </dgm:t>
     </dgm:pt>
     <dgm:pt modelId="{7F5B1FCF-F690-4135-9127-9163C7DA6862}" type="pres">
       <dgm:prSet presAssocID="{2A4AD76B-9974-4A9B-A231-B0DBAF3427CC}" presName="sibTrans" presStyleCnt="0"/>
@@ -6250,7 +6399,7 @@
                 <a14:useLocalDpi xmlns:a14="http://schemas.microsoft.com/office/drawing/2010/main" val="0"/>
               </a:ext>
               <a:ext uri="{96DAC541-7B7A-43D3-8B79-37D633B846F1}">
-                <asvg:svgBlip xmlns:asvg="http://schemas.microsoft.com/office/drawing/2016/SVG/main" r:embed="rId8"/>
+                <asvg:svgBlip xmlns:asvg="http://schemas.microsoft.com/office/drawing/2016/SVG/main" xmlns="" r:embed="rId8"/>
               </a:ext>
             </a:extLst>
           </a:blip>
@@ -6280,6 +6429,13 @@
         </dgm:presLayoutVars>
       </dgm:prSet>
       <dgm:spPr/>
+      <dgm:t>
+        <a:bodyPr/>
+        <a:lstStyle/>
+        <a:p>
+          <a:endParaRPr lang="es-ES"/>
+        </a:p>
+      </dgm:t>
     </dgm:pt>
     <dgm:pt modelId="{D144A145-99E8-44D8-99EB-93958FC82CBA}" type="pres">
       <dgm:prSet presAssocID="{F9A8ACD3-FB7C-4508-98E7-578D82DC02F8}" presName="sibTrans" presStyleCnt="0"/>
@@ -6310,7 +6466,7 @@
                 <a14:useLocalDpi xmlns:a14="http://schemas.microsoft.com/office/drawing/2010/main" val="0"/>
               </a:ext>
               <a:ext uri="{96DAC541-7B7A-43D3-8B79-37D633B846F1}">
-                <asvg:svgBlip xmlns:asvg="http://schemas.microsoft.com/office/drawing/2016/SVG/main" r:embed="rId10"/>
+                <asvg:svgBlip xmlns:asvg="http://schemas.microsoft.com/office/drawing/2016/SVG/main" xmlns="" r:embed="rId10"/>
               </a:ext>
             </a:extLst>
           </a:blip>
@@ -6340,6 +6496,13 @@
         </dgm:presLayoutVars>
       </dgm:prSet>
       <dgm:spPr/>
+      <dgm:t>
+        <a:bodyPr/>
+        <a:lstStyle/>
+        <a:p>
+          <a:endParaRPr lang="es-ES"/>
+        </a:p>
+      </dgm:t>
     </dgm:pt>
     <dgm:pt modelId="{CC8C098F-0991-4A32-95DC-D54AF50E8666}" type="pres">
       <dgm:prSet presAssocID="{A5EE15F4-99DD-4DC3-98B4-DAB892097D04}" presName="sibTrans" presStyleCnt="0"/>
@@ -6370,7 +6533,7 @@
                 <a14:useLocalDpi xmlns:a14="http://schemas.microsoft.com/office/drawing/2010/main" val="0"/>
               </a:ext>
               <a:ext uri="{96DAC541-7B7A-43D3-8B79-37D633B846F1}">
-                <asvg:svgBlip xmlns:asvg="http://schemas.microsoft.com/office/drawing/2016/SVG/main" r:embed="rId12"/>
+                <asvg:svgBlip xmlns:asvg="http://schemas.microsoft.com/office/drawing/2016/SVG/main" xmlns="" r:embed="rId12"/>
               </a:ext>
             </a:extLst>
           </a:blip>
@@ -6400,22 +6563,29 @@
         </dgm:presLayoutVars>
       </dgm:prSet>
       <dgm:spPr/>
+      <dgm:t>
+        <a:bodyPr/>
+        <a:lstStyle/>
+        <a:p>
+          <a:endParaRPr lang="es-ES"/>
+        </a:p>
+      </dgm:t>
     </dgm:pt>
   </dgm:ptLst>
   <dgm:cxnLst>
+    <dgm:cxn modelId="{87234AFC-8E8F-43CF-84C6-3057A3E0A950}" srcId="{566B60F3-97BE-40F5-8EF1-8499B1272E6A}" destId="{43879209-7149-4E5B-BD2F-829FF7B10F88}" srcOrd="2" destOrd="0" parTransId="{BBE70729-F60B-4269-AA39-2C35E67D21C6}" sibTransId="{2A4AD76B-9974-4A9B-A231-B0DBAF3427CC}"/>
+    <dgm:cxn modelId="{059A43F8-1045-4E2E-A6A4-47B7D56F706C}" srcId="{566B60F3-97BE-40F5-8EF1-8499B1272E6A}" destId="{D78CDCE2-3C27-4660-8631-CC52688E5D97}" srcOrd="5" destOrd="0" parTransId="{F9AE36AF-2B9A-4285-A71A-DB9AB18C1B67}" sibTransId="{66CD5649-F141-417B-B8F6-F3101BF6C296}"/>
+    <dgm:cxn modelId="{4AA8A325-1EC0-4415-8DA1-FDEFE26AD94A}" srcId="{566B60F3-97BE-40F5-8EF1-8499B1272E6A}" destId="{5A82E772-3F6E-4744-ACDB-ED27435FC8A5}" srcOrd="0" destOrd="0" parTransId="{45360611-228C-4973-8687-9032EE2975DF}" sibTransId="{1C0D0863-6DC6-4D6F-956B-06DCA4661632}"/>
     <dgm:cxn modelId="{6A431004-5741-4C3B-8902-77A1EB23DFF3}" type="presOf" srcId="{566B60F3-97BE-40F5-8EF1-8499B1272E6A}" destId="{435D9016-F8B2-4AB5-898F-A1BF81AF2245}" srcOrd="0" destOrd="0" presId="urn:microsoft.com/office/officeart/2018/5/layout/IconLeafLabelList"/>
+    <dgm:cxn modelId="{B8C51BFF-5B0A-4FC9-9F47-401FEE4C6B3D}" srcId="{566B60F3-97BE-40F5-8EF1-8499B1272E6A}" destId="{F0A84738-A8A2-40BD-B473-0D76F9086D52}" srcOrd="1" destOrd="0" parTransId="{24BC896F-6200-47C1-B39D-61986F6D29E8}" sibTransId="{D5D33294-7CF3-48EE-8A94-4F9198556346}"/>
     <dgm:cxn modelId="{C58D0407-7392-42AB-90E2-F0BD87669217}" type="presOf" srcId="{966DC92A-EAAA-4289-BB5C-06EA84036978}" destId="{94FB8B20-C386-4550-94F5-6A6AC3D256AC}" srcOrd="0" destOrd="0" presId="urn:microsoft.com/office/officeart/2018/5/layout/IconLeafLabelList"/>
-    <dgm:cxn modelId="{C2812C10-7D99-4FF8-9919-06FC23E7BB8F}" type="presOf" srcId="{2273EC16-27D4-47D9-861D-EA41E747C3B0}" destId="{A9916CB3-3416-4EFD-814D-79B6783D6975}" srcOrd="0" destOrd="0" presId="urn:microsoft.com/office/officeart/2018/5/layout/IconLeafLabelList"/>
-    <dgm:cxn modelId="{4AA8A325-1EC0-4415-8DA1-FDEFE26AD94A}" srcId="{566B60F3-97BE-40F5-8EF1-8499B1272E6A}" destId="{5A82E772-3F6E-4744-ACDB-ED27435FC8A5}" srcOrd="0" destOrd="0" parTransId="{45360611-228C-4973-8687-9032EE2975DF}" sibTransId="{1C0D0863-6DC6-4D6F-956B-06DCA4661632}"/>
-    <dgm:cxn modelId="{E318A045-D5E8-4ADB-AC13-FDA5E325D809}" type="presOf" srcId="{F0A84738-A8A2-40BD-B473-0D76F9086D52}" destId="{E43D95FA-7B16-401A-9B37-41A4E147F2C9}" srcOrd="0" destOrd="0" presId="urn:microsoft.com/office/officeart/2018/5/layout/IconLeafLabelList"/>
-    <dgm:cxn modelId="{3E2BE16C-D9D0-4189-B9CA-0680B5B93493}" type="presOf" srcId="{5A82E772-3F6E-4744-ACDB-ED27435FC8A5}" destId="{11F7A7C4-517F-4E94-BBCD-716F924ED6EB}" srcOrd="0" destOrd="0" presId="urn:microsoft.com/office/officeart/2018/5/layout/IconLeafLabelList"/>
     <dgm:cxn modelId="{52112AAF-4729-4D7F-916B-9B280C39CF88}" srcId="{566B60F3-97BE-40F5-8EF1-8499B1272E6A}" destId="{2273EC16-27D4-47D9-861D-EA41E747C3B0}" srcOrd="3" destOrd="0" parTransId="{F2875908-EA2D-429B-8601-94A43C4863FD}" sibTransId="{F9A8ACD3-FB7C-4508-98E7-578D82DC02F8}"/>
+    <dgm:cxn modelId="{4EF409FD-4A25-4838-B046-8883F7A946E4}" srcId="{566B60F3-97BE-40F5-8EF1-8499B1272E6A}" destId="{966DC92A-EAAA-4289-BB5C-06EA84036978}" srcOrd="4" destOrd="0" parTransId="{C0C214CD-942E-47C0-B075-0707EFE46750}" sibTransId="{A5EE15F4-99DD-4DC3-98B4-DAB892097D04}"/>
     <dgm:cxn modelId="{71EC35C4-6018-48ED-A7BA-3A829770718F}" type="presOf" srcId="{D78CDCE2-3C27-4660-8631-CC52688E5D97}" destId="{D7832282-DFA3-4B8B-A90D-868487CF2477}" srcOrd="0" destOrd="0" presId="urn:microsoft.com/office/officeart/2018/5/layout/IconLeafLabelList"/>
     <dgm:cxn modelId="{A8B968F2-EF9F-42E7-A353-DAD09CA5BE89}" type="presOf" srcId="{43879209-7149-4E5B-BD2F-829FF7B10F88}" destId="{1F322459-D3EF-4DE3-A928-9E83D6AA7522}" srcOrd="0" destOrd="0" presId="urn:microsoft.com/office/officeart/2018/5/layout/IconLeafLabelList"/>
-    <dgm:cxn modelId="{059A43F8-1045-4E2E-A6A4-47B7D56F706C}" srcId="{566B60F3-97BE-40F5-8EF1-8499B1272E6A}" destId="{D78CDCE2-3C27-4660-8631-CC52688E5D97}" srcOrd="5" destOrd="0" parTransId="{F9AE36AF-2B9A-4285-A71A-DB9AB18C1B67}" sibTransId="{66CD5649-F141-417B-B8F6-F3101BF6C296}"/>
-    <dgm:cxn modelId="{87234AFC-8E8F-43CF-84C6-3057A3E0A950}" srcId="{566B60F3-97BE-40F5-8EF1-8499B1272E6A}" destId="{43879209-7149-4E5B-BD2F-829FF7B10F88}" srcOrd="2" destOrd="0" parTransId="{BBE70729-F60B-4269-AA39-2C35E67D21C6}" sibTransId="{2A4AD76B-9974-4A9B-A231-B0DBAF3427CC}"/>
-    <dgm:cxn modelId="{4EF409FD-4A25-4838-B046-8883F7A946E4}" srcId="{566B60F3-97BE-40F5-8EF1-8499B1272E6A}" destId="{966DC92A-EAAA-4289-BB5C-06EA84036978}" srcOrd="4" destOrd="0" parTransId="{C0C214CD-942E-47C0-B075-0707EFE46750}" sibTransId="{A5EE15F4-99DD-4DC3-98B4-DAB892097D04}"/>
-    <dgm:cxn modelId="{B8C51BFF-5B0A-4FC9-9F47-401FEE4C6B3D}" srcId="{566B60F3-97BE-40F5-8EF1-8499B1272E6A}" destId="{F0A84738-A8A2-40BD-B473-0D76F9086D52}" srcOrd="1" destOrd="0" parTransId="{24BC896F-6200-47C1-B39D-61986F6D29E8}" sibTransId="{D5D33294-7CF3-48EE-8A94-4F9198556346}"/>
+    <dgm:cxn modelId="{E318A045-D5E8-4ADB-AC13-FDA5E325D809}" type="presOf" srcId="{F0A84738-A8A2-40BD-B473-0D76F9086D52}" destId="{E43D95FA-7B16-401A-9B37-41A4E147F2C9}" srcOrd="0" destOrd="0" presId="urn:microsoft.com/office/officeart/2018/5/layout/IconLeafLabelList"/>
+    <dgm:cxn modelId="{C2812C10-7D99-4FF8-9919-06FC23E7BB8F}" type="presOf" srcId="{2273EC16-27D4-47D9-861D-EA41E747C3B0}" destId="{A9916CB3-3416-4EFD-814D-79B6783D6975}" srcOrd="0" destOrd="0" presId="urn:microsoft.com/office/officeart/2018/5/layout/IconLeafLabelList"/>
+    <dgm:cxn modelId="{3E2BE16C-D9D0-4189-B9CA-0680B5B93493}" type="presOf" srcId="{5A82E772-3F6E-4744-ACDB-ED27435FC8A5}" destId="{11F7A7C4-517F-4E94-BBCD-716F924ED6EB}" srcOrd="0" destOrd="0" presId="urn:microsoft.com/office/officeart/2018/5/layout/IconLeafLabelList"/>
     <dgm:cxn modelId="{2AA6A036-782D-4A80-9749-4EE40BBAFBB6}" type="presParOf" srcId="{435D9016-F8B2-4AB5-898F-A1BF81AF2245}" destId="{0D3ADDE8-AF69-4EDB-A32A-7A2F86F42936}" srcOrd="0" destOrd="0" presId="urn:microsoft.com/office/officeart/2018/5/layout/IconLeafLabelList"/>
     <dgm:cxn modelId="{14AA5BA2-5C50-4E57-8329-457AE422CB2A}" type="presParOf" srcId="{0D3ADDE8-AF69-4EDB-A32A-7A2F86F42936}" destId="{DD0CA0D3-69A1-4E78-8D10-A2D6C2170453}" srcOrd="0" destOrd="0" presId="urn:microsoft.com/office/officeart/2018/5/layout/IconLeafLabelList"/>
     <dgm:cxn modelId="{BD429ED2-8BDA-410A-B434-7310CF75885D}" type="presParOf" srcId="{0D3ADDE8-AF69-4EDB-A32A-7A2F86F42936}" destId="{0E3B90ED-A2AF-4F86-8F95-4307A39CE2E1}" srcOrd="1" destOrd="0" presId="urn:microsoft.com/office/officeart/2018/5/layout/IconLeafLabelList"/>
@@ -6693,10 +6863,24 @@
         </dgm:presLayoutVars>
       </dgm:prSet>
       <dgm:spPr/>
+      <dgm:t>
+        <a:bodyPr/>
+        <a:lstStyle/>
+        <a:p>
+          <a:endParaRPr lang="es-ES"/>
+        </a:p>
+      </dgm:t>
     </dgm:pt>
     <dgm:pt modelId="{A621E88D-BFB2-4D4D-83CB-1C37507EE395}" type="pres">
       <dgm:prSet presAssocID="{FBC1AEB8-D3B6-475C-B5A0-3FA114F894F4}" presName="roof" presStyleLbl="dkBgShp" presStyleIdx="0" presStyleCnt="2" custScaleY="95851" custLinFactNeighborX="1540" custLinFactNeighborY="-1037"/>
       <dgm:spPr/>
+      <dgm:t>
+        <a:bodyPr/>
+        <a:lstStyle/>
+        <a:p>
+          <a:endParaRPr lang="es-ES"/>
+        </a:p>
+      </dgm:t>
     </dgm:pt>
     <dgm:pt modelId="{E7655B6F-4781-46AD-A804-B84F4205F22E}" type="pres">
       <dgm:prSet presAssocID="{FBC1AEB8-D3B6-475C-B5A0-3FA114F894F4}" presName="pillars" presStyleCnt="0"/>
@@ -6709,6 +6893,13 @@
         </dgm:presLayoutVars>
       </dgm:prSet>
       <dgm:spPr/>
+      <dgm:t>
+        <a:bodyPr/>
+        <a:lstStyle/>
+        <a:p>
+          <a:endParaRPr lang="es-ES"/>
+        </a:p>
+      </dgm:t>
     </dgm:pt>
     <dgm:pt modelId="{6916CF77-BDDF-4519-87D8-03AE79A48DBA}" type="pres">
       <dgm:prSet presAssocID="{05EC6701-7CC0-41CC-845C-A3B73BC26E0A}" presName="pillarX" presStyleLbl="node1" presStyleIdx="1" presStyleCnt="3" custLinFactNeighborY="-1410">
@@ -6717,6 +6908,13 @@
         </dgm:presLayoutVars>
       </dgm:prSet>
       <dgm:spPr/>
+      <dgm:t>
+        <a:bodyPr/>
+        <a:lstStyle/>
+        <a:p>
+          <a:endParaRPr lang="es-ES"/>
+        </a:p>
+      </dgm:t>
     </dgm:pt>
     <dgm:pt modelId="{A05398C4-7F60-43BC-8357-2DEB0326E55A}" type="pres">
       <dgm:prSet presAssocID="{31546BCD-AFF4-4AD7-9FE1-EFDACE3E997B}" presName="pillarX" presStyleLbl="node1" presStyleIdx="2" presStyleCnt="3">
@@ -6725,6 +6923,13 @@
         </dgm:presLayoutVars>
       </dgm:prSet>
       <dgm:spPr/>
+      <dgm:t>
+        <a:bodyPr/>
+        <a:lstStyle/>
+        <a:p>
+          <a:endParaRPr lang="es-ES"/>
+        </a:p>
+      </dgm:t>
     </dgm:pt>
     <dgm:pt modelId="{23559E90-FA47-4385-8489-546D2A31B130}" type="pres">
       <dgm:prSet presAssocID="{FBC1AEB8-D3B6-475C-B5A0-3FA114F894F4}" presName="base" presStyleLbl="dkBgShp" presStyleIdx="1" presStyleCnt="2"/>
@@ -6733,13 +6938,13 @@
   </dgm:ptLst>
   <dgm:cxnLst>
     <dgm:cxn modelId="{80F84709-3D0E-4B18-934D-B194C4D73C23}" type="presOf" srcId="{FBC1AEB8-D3B6-475C-B5A0-3FA114F894F4}" destId="{A621E88D-BFB2-4D4D-83CB-1C37507EE395}" srcOrd="0" destOrd="0" presId="urn:microsoft.com/office/officeart/2005/8/layout/hList3"/>
-    <dgm:cxn modelId="{C5A34037-8036-4799-AAC2-4E9FA4E283C4}" srcId="{FBC1AEB8-D3B6-475C-B5A0-3FA114F894F4}" destId="{05EC6701-7CC0-41CC-845C-A3B73BC26E0A}" srcOrd="1" destOrd="0" parTransId="{55555C2C-6502-4E0D-AB3A-BA2A9D06F637}" sibTransId="{289054AD-C4D8-4D44-9C96-11A6EA245C8E}"/>
-    <dgm:cxn modelId="{2B9FE562-2B9E-4A1C-A257-D372AD31EB67}" type="presOf" srcId="{37960625-CC93-4237-823A-B466C0E3BF79}" destId="{FAB72CA1-9E86-4089-AB0C-3E038A6DBFC3}" srcOrd="0" destOrd="0" presId="urn:microsoft.com/office/officeart/2005/8/layout/hList3"/>
-    <dgm:cxn modelId="{F10EBE58-C6A8-400B-8DDE-3CF0C7F1AA2D}" srcId="{FBC1AEB8-D3B6-475C-B5A0-3FA114F894F4}" destId="{31546BCD-AFF4-4AD7-9FE1-EFDACE3E997B}" srcOrd="2" destOrd="0" parTransId="{87F06F72-A3DC-400E-9C99-DFC90612A118}" sibTransId="{65A52A09-B7F6-4EA9-9227-D46171BD0716}"/>
-    <dgm:cxn modelId="{B656EB7F-85AA-47B2-A042-8B50248108EA}" srcId="{FBC1AEB8-D3B6-475C-B5A0-3FA114F894F4}" destId="{37960625-CC93-4237-823A-B466C0E3BF79}" srcOrd="0" destOrd="0" parTransId="{933A0A76-BFF2-45C4-8F83-4F8DE9361076}" sibTransId="{4F408B23-65D4-4D7D-BE2E-2A00C78EA2AA}"/>
-    <dgm:cxn modelId="{8BD99687-2312-442C-BD47-F4C10BB765B6}" type="presOf" srcId="{4BDBFF30-85D7-44B8-80F9-A286B469A312}" destId="{B4F5BE6B-A62F-44D3-A83B-A914C007E87B}" srcOrd="0" destOrd="0" presId="urn:microsoft.com/office/officeart/2005/8/layout/hList3"/>
     <dgm:cxn modelId="{B7D54C9D-83F5-423E-8443-27E61E0F8F50}" type="presOf" srcId="{05EC6701-7CC0-41CC-845C-A3B73BC26E0A}" destId="{6916CF77-BDDF-4519-87D8-03AE79A48DBA}" srcOrd="0" destOrd="0" presId="urn:microsoft.com/office/officeart/2005/8/layout/hList3"/>
     <dgm:cxn modelId="{49BF82A2-ACF4-4048-BB5A-EA698737C22C}" srcId="{4BDBFF30-85D7-44B8-80F9-A286B469A312}" destId="{FBC1AEB8-D3B6-475C-B5A0-3FA114F894F4}" srcOrd="0" destOrd="0" parTransId="{FBDA98FD-855E-4573-A3AE-0D70983E338D}" sibTransId="{5A48A9A9-3467-4EF5-A908-F25008AA59A8}"/>
+    <dgm:cxn modelId="{C5A34037-8036-4799-AAC2-4E9FA4E283C4}" srcId="{FBC1AEB8-D3B6-475C-B5A0-3FA114F894F4}" destId="{05EC6701-7CC0-41CC-845C-A3B73BC26E0A}" srcOrd="1" destOrd="0" parTransId="{55555C2C-6502-4E0D-AB3A-BA2A9D06F637}" sibTransId="{289054AD-C4D8-4D44-9C96-11A6EA245C8E}"/>
+    <dgm:cxn modelId="{B656EB7F-85AA-47B2-A042-8B50248108EA}" srcId="{FBC1AEB8-D3B6-475C-B5A0-3FA114F894F4}" destId="{37960625-CC93-4237-823A-B466C0E3BF79}" srcOrd="0" destOrd="0" parTransId="{933A0A76-BFF2-45C4-8F83-4F8DE9361076}" sibTransId="{4F408B23-65D4-4D7D-BE2E-2A00C78EA2AA}"/>
+    <dgm:cxn modelId="{F10EBE58-C6A8-400B-8DDE-3CF0C7F1AA2D}" srcId="{FBC1AEB8-D3B6-475C-B5A0-3FA114F894F4}" destId="{31546BCD-AFF4-4AD7-9FE1-EFDACE3E997B}" srcOrd="2" destOrd="0" parTransId="{87F06F72-A3DC-400E-9C99-DFC90612A118}" sibTransId="{65A52A09-B7F6-4EA9-9227-D46171BD0716}"/>
+    <dgm:cxn modelId="{2B9FE562-2B9E-4A1C-A257-D372AD31EB67}" type="presOf" srcId="{37960625-CC93-4237-823A-B466C0E3BF79}" destId="{FAB72CA1-9E86-4089-AB0C-3E038A6DBFC3}" srcOrd="0" destOrd="0" presId="urn:microsoft.com/office/officeart/2005/8/layout/hList3"/>
+    <dgm:cxn modelId="{8BD99687-2312-442C-BD47-F4C10BB765B6}" type="presOf" srcId="{4BDBFF30-85D7-44B8-80F9-A286B469A312}" destId="{B4F5BE6B-A62F-44D3-A83B-A914C007E87B}" srcOrd="0" destOrd="0" presId="urn:microsoft.com/office/officeart/2005/8/layout/hList3"/>
     <dgm:cxn modelId="{A9B266BB-34B0-4A66-8284-6A7FEAE265F1}" type="presOf" srcId="{31546BCD-AFF4-4AD7-9FE1-EFDACE3E997B}" destId="{A05398C4-7F60-43BC-8357-2DEB0326E55A}" srcOrd="0" destOrd="0" presId="urn:microsoft.com/office/officeart/2005/8/layout/hList3"/>
     <dgm:cxn modelId="{9302CB28-BE7A-4D58-9788-3A0579509EE2}" type="presParOf" srcId="{B4F5BE6B-A62F-44D3-A83B-A914C007E87B}" destId="{A621E88D-BFB2-4D4D-83CB-1C37507EE395}" srcOrd="0" destOrd="0" presId="urn:microsoft.com/office/officeart/2005/8/layout/hList3"/>
     <dgm:cxn modelId="{7D5270F5-A3D3-48DE-808E-B088A18538EB}" type="presParOf" srcId="{B4F5BE6B-A62F-44D3-A83B-A914C007E87B}" destId="{E7655B6F-4781-46AD-A804-B84F4205F22E}" srcOrd="1" destOrd="0" presId="urn:microsoft.com/office/officeart/2005/8/layout/hList3"/>
@@ -6923,10 +7128,24 @@
         </dgm:presLayoutVars>
       </dgm:prSet>
       <dgm:spPr/>
+      <dgm:t>
+        <a:bodyPr/>
+        <a:lstStyle/>
+        <a:p>
+          <a:endParaRPr lang="es-ES"/>
+        </a:p>
+      </dgm:t>
     </dgm:pt>
     <dgm:pt modelId="{A621E88D-BFB2-4D4D-83CB-1C37507EE395}" type="pres">
       <dgm:prSet presAssocID="{FBC1AEB8-D3B6-475C-B5A0-3FA114F894F4}" presName="roof" presStyleLbl="dkBgShp" presStyleIdx="0" presStyleCnt="2" custScaleY="94421"/>
       <dgm:spPr/>
+      <dgm:t>
+        <a:bodyPr/>
+        <a:lstStyle/>
+        <a:p>
+          <a:endParaRPr lang="es-ES"/>
+        </a:p>
+      </dgm:t>
     </dgm:pt>
     <dgm:pt modelId="{E7655B6F-4781-46AD-A804-B84F4205F22E}" type="pres">
       <dgm:prSet presAssocID="{FBC1AEB8-D3B6-475C-B5A0-3FA114F894F4}" presName="pillars" presStyleCnt="0"/>
@@ -6939,6 +7158,13 @@
         </dgm:presLayoutVars>
       </dgm:prSet>
       <dgm:spPr/>
+      <dgm:t>
+        <a:bodyPr/>
+        <a:lstStyle/>
+        <a:p>
+          <a:endParaRPr lang="es-ES"/>
+        </a:p>
+      </dgm:t>
     </dgm:pt>
     <dgm:pt modelId="{6916CF77-BDDF-4519-87D8-03AE79A48DBA}" type="pres">
       <dgm:prSet presAssocID="{05EC6701-7CC0-41CC-845C-A3B73BC26E0A}" presName="pillarX" presStyleLbl="node1" presStyleIdx="1" presStyleCnt="2">
@@ -6947,6 +7173,13 @@
         </dgm:presLayoutVars>
       </dgm:prSet>
       <dgm:spPr/>
+      <dgm:t>
+        <a:bodyPr/>
+        <a:lstStyle/>
+        <a:p>
+          <a:endParaRPr lang="es-ES"/>
+        </a:p>
+      </dgm:t>
     </dgm:pt>
     <dgm:pt modelId="{23559E90-FA47-4385-8489-546D2A31B130}" type="pres">
       <dgm:prSet presAssocID="{FBC1AEB8-D3B6-475C-B5A0-3FA114F894F4}" presName="base" presStyleLbl="dkBgShp" presStyleIdx="1" presStyleCnt="2" custLinFactY="123695" custLinFactNeighborY="200000"/>
@@ -6955,12 +7188,12 @@
   </dgm:ptLst>
   <dgm:cxnLst>
     <dgm:cxn modelId="{80F84709-3D0E-4B18-934D-B194C4D73C23}" type="presOf" srcId="{FBC1AEB8-D3B6-475C-B5A0-3FA114F894F4}" destId="{A621E88D-BFB2-4D4D-83CB-1C37507EE395}" srcOrd="0" destOrd="0" presId="urn:microsoft.com/office/officeart/2005/8/layout/hList3"/>
-    <dgm:cxn modelId="{C5A34037-8036-4799-AAC2-4E9FA4E283C4}" srcId="{FBC1AEB8-D3B6-475C-B5A0-3FA114F894F4}" destId="{05EC6701-7CC0-41CC-845C-A3B73BC26E0A}" srcOrd="1" destOrd="0" parTransId="{55555C2C-6502-4E0D-AB3A-BA2A9D06F637}" sibTransId="{289054AD-C4D8-4D44-9C96-11A6EA245C8E}"/>
-    <dgm:cxn modelId="{2B9FE562-2B9E-4A1C-A257-D372AD31EB67}" type="presOf" srcId="{37960625-CC93-4237-823A-B466C0E3BF79}" destId="{FAB72CA1-9E86-4089-AB0C-3E038A6DBFC3}" srcOrd="0" destOrd="0" presId="urn:microsoft.com/office/officeart/2005/8/layout/hList3"/>
-    <dgm:cxn modelId="{B656EB7F-85AA-47B2-A042-8B50248108EA}" srcId="{FBC1AEB8-D3B6-475C-B5A0-3FA114F894F4}" destId="{37960625-CC93-4237-823A-B466C0E3BF79}" srcOrd="0" destOrd="0" parTransId="{933A0A76-BFF2-45C4-8F83-4F8DE9361076}" sibTransId="{4F408B23-65D4-4D7D-BE2E-2A00C78EA2AA}"/>
-    <dgm:cxn modelId="{8BD99687-2312-442C-BD47-F4C10BB765B6}" type="presOf" srcId="{4BDBFF30-85D7-44B8-80F9-A286B469A312}" destId="{B4F5BE6B-A62F-44D3-A83B-A914C007E87B}" srcOrd="0" destOrd="0" presId="urn:microsoft.com/office/officeart/2005/8/layout/hList3"/>
     <dgm:cxn modelId="{B7D54C9D-83F5-423E-8443-27E61E0F8F50}" type="presOf" srcId="{05EC6701-7CC0-41CC-845C-A3B73BC26E0A}" destId="{6916CF77-BDDF-4519-87D8-03AE79A48DBA}" srcOrd="0" destOrd="0" presId="urn:microsoft.com/office/officeart/2005/8/layout/hList3"/>
     <dgm:cxn modelId="{49BF82A2-ACF4-4048-BB5A-EA698737C22C}" srcId="{4BDBFF30-85D7-44B8-80F9-A286B469A312}" destId="{FBC1AEB8-D3B6-475C-B5A0-3FA114F894F4}" srcOrd="0" destOrd="0" parTransId="{FBDA98FD-855E-4573-A3AE-0D70983E338D}" sibTransId="{5A48A9A9-3467-4EF5-A908-F25008AA59A8}"/>
+    <dgm:cxn modelId="{C5A34037-8036-4799-AAC2-4E9FA4E283C4}" srcId="{FBC1AEB8-D3B6-475C-B5A0-3FA114F894F4}" destId="{05EC6701-7CC0-41CC-845C-A3B73BC26E0A}" srcOrd="1" destOrd="0" parTransId="{55555C2C-6502-4E0D-AB3A-BA2A9D06F637}" sibTransId="{289054AD-C4D8-4D44-9C96-11A6EA245C8E}"/>
+    <dgm:cxn modelId="{B656EB7F-85AA-47B2-A042-8B50248108EA}" srcId="{FBC1AEB8-D3B6-475C-B5A0-3FA114F894F4}" destId="{37960625-CC93-4237-823A-B466C0E3BF79}" srcOrd="0" destOrd="0" parTransId="{933A0A76-BFF2-45C4-8F83-4F8DE9361076}" sibTransId="{4F408B23-65D4-4D7D-BE2E-2A00C78EA2AA}"/>
+    <dgm:cxn modelId="{2B9FE562-2B9E-4A1C-A257-D372AD31EB67}" type="presOf" srcId="{37960625-CC93-4237-823A-B466C0E3BF79}" destId="{FAB72CA1-9E86-4089-AB0C-3E038A6DBFC3}" srcOrd="0" destOrd="0" presId="urn:microsoft.com/office/officeart/2005/8/layout/hList3"/>
+    <dgm:cxn modelId="{8BD99687-2312-442C-BD47-F4C10BB765B6}" type="presOf" srcId="{4BDBFF30-85D7-44B8-80F9-A286B469A312}" destId="{B4F5BE6B-A62F-44D3-A83B-A914C007E87B}" srcOrd="0" destOrd="0" presId="urn:microsoft.com/office/officeart/2005/8/layout/hList3"/>
     <dgm:cxn modelId="{9302CB28-BE7A-4D58-9788-3A0579509EE2}" type="presParOf" srcId="{B4F5BE6B-A62F-44D3-A83B-A914C007E87B}" destId="{A621E88D-BFB2-4D4D-83CB-1C37507EE395}" srcOrd="0" destOrd="0" presId="urn:microsoft.com/office/officeart/2005/8/layout/hList3"/>
     <dgm:cxn modelId="{7D5270F5-A3D3-48DE-808E-B088A18538EB}" type="presParOf" srcId="{B4F5BE6B-A62F-44D3-A83B-A914C007E87B}" destId="{E7655B6F-4781-46AD-A804-B84F4205F22E}" srcOrd="1" destOrd="0" presId="urn:microsoft.com/office/officeart/2005/8/layout/hList3"/>
     <dgm:cxn modelId="{9ADA7D5C-B310-4BBC-8C53-34FEFA368645}" type="presParOf" srcId="{E7655B6F-4781-46AD-A804-B84F4205F22E}" destId="{FAB72CA1-9E86-4089-AB0C-3E038A6DBFC3}" srcOrd="0" destOrd="0" presId="urn:microsoft.com/office/officeart/2005/8/layout/hList3"/>
@@ -7239,10 +7472,24 @@
         </dgm:presLayoutVars>
       </dgm:prSet>
       <dgm:spPr/>
+      <dgm:t>
+        <a:bodyPr/>
+        <a:lstStyle/>
+        <a:p>
+          <a:endParaRPr lang="es-ES"/>
+        </a:p>
+      </dgm:t>
     </dgm:pt>
     <dgm:pt modelId="{A621E88D-BFB2-4D4D-83CB-1C37507EE395}" type="pres">
       <dgm:prSet presAssocID="{FBC1AEB8-D3B6-475C-B5A0-3FA114F894F4}" presName="roof" presStyleLbl="dkBgShp" presStyleIdx="0" presStyleCnt="2" custScaleY="98526"/>
       <dgm:spPr/>
+      <dgm:t>
+        <a:bodyPr/>
+        <a:lstStyle/>
+        <a:p>
+          <a:endParaRPr lang="es-ES"/>
+        </a:p>
+      </dgm:t>
     </dgm:pt>
     <dgm:pt modelId="{E7655B6F-4781-46AD-A804-B84F4205F22E}" type="pres">
       <dgm:prSet presAssocID="{FBC1AEB8-D3B6-475C-B5A0-3FA114F894F4}" presName="pillars" presStyleCnt="0"/>
@@ -7255,6 +7502,13 @@
         </dgm:presLayoutVars>
       </dgm:prSet>
       <dgm:spPr/>
+      <dgm:t>
+        <a:bodyPr/>
+        <a:lstStyle/>
+        <a:p>
+          <a:endParaRPr lang="es-ES"/>
+        </a:p>
+      </dgm:t>
     </dgm:pt>
     <dgm:pt modelId="{6916CF77-BDDF-4519-87D8-03AE79A48DBA}" type="pres">
       <dgm:prSet presAssocID="{05EC6701-7CC0-41CC-845C-A3B73BC26E0A}" presName="pillarX" presStyleLbl="node1" presStyleIdx="1" presStyleCnt="4">
@@ -7263,6 +7517,13 @@
         </dgm:presLayoutVars>
       </dgm:prSet>
       <dgm:spPr/>
+      <dgm:t>
+        <a:bodyPr/>
+        <a:lstStyle/>
+        <a:p>
+          <a:endParaRPr lang="es-ES"/>
+        </a:p>
+      </dgm:t>
     </dgm:pt>
     <dgm:pt modelId="{A05398C4-7F60-43BC-8357-2DEB0326E55A}" type="pres">
       <dgm:prSet presAssocID="{31546BCD-AFF4-4AD7-9FE1-EFDACE3E997B}" presName="pillarX" presStyleLbl="node1" presStyleIdx="2" presStyleCnt="4" custLinFactNeighborX="2173">
@@ -7271,6 +7532,13 @@
         </dgm:presLayoutVars>
       </dgm:prSet>
       <dgm:spPr/>
+      <dgm:t>
+        <a:bodyPr/>
+        <a:lstStyle/>
+        <a:p>
+          <a:endParaRPr lang="es-ES"/>
+        </a:p>
+      </dgm:t>
     </dgm:pt>
     <dgm:pt modelId="{0D698939-ED02-4CB4-8F34-44C89AA8462F}" type="pres">
       <dgm:prSet presAssocID="{CF3124D8-5660-4F89-BE28-548BADF507D9}" presName="pillarX" presStyleLbl="node1" presStyleIdx="3" presStyleCnt="4">
@@ -7279,6 +7547,13 @@
         </dgm:presLayoutVars>
       </dgm:prSet>
       <dgm:spPr/>
+      <dgm:t>
+        <a:bodyPr/>
+        <a:lstStyle/>
+        <a:p>
+          <a:endParaRPr lang="es-ES"/>
+        </a:p>
+      </dgm:t>
     </dgm:pt>
     <dgm:pt modelId="{23559E90-FA47-4385-8489-546D2A31B130}" type="pres">
       <dgm:prSet presAssocID="{FBC1AEB8-D3B6-475C-B5A0-3FA114F894F4}" presName="base" presStyleLbl="dkBgShp" presStyleIdx="1" presStyleCnt="2"/>
@@ -7287,15 +7562,15 @@
   </dgm:ptLst>
   <dgm:cxnLst>
     <dgm:cxn modelId="{80F84709-3D0E-4B18-934D-B194C4D73C23}" type="presOf" srcId="{FBC1AEB8-D3B6-475C-B5A0-3FA114F894F4}" destId="{A621E88D-BFB2-4D4D-83CB-1C37507EE395}" srcOrd="0" destOrd="0" presId="urn:microsoft.com/office/officeart/2005/8/layout/hList3"/>
-    <dgm:cxn modelId="{C5A34037-8036-4799-AAC2-4E9FA4E283C4}" srcId="{FBC1AEB8-D3B6-475C-B5A0-3FA114F894F4}" destId="{05EC6701-7CC0-41CC-845C-A3B73BC26E0A}" srcOrd="1" destOrd="0" parTransId="{55555C2C-6502-4E0D-AB3A-BA2A9D06F637}" sibTransId="{289054AD-C4D8-4D44-9C96-11A6EA245C8E}"/>
-    <dgm:cxn modelId="{2B9FE562-2B9E-4A1C-A257-D372AD31EB67}" type="presOf" srcId="{37960625-CC93-4237-823A-B466C0E3BF79}" destId="{FAB72CA1-9E86-4089-AB0C-3E038A6DBFC3}" srcOrd="0" destOrd="0" presId="urn:microsoft.com/office/officeart/2005/8/layout/hList3"/>
-    <dgm:cxn modelId="{F10EBE58-C6A8-400B-8DDE-3CF0C7F1AA2D}" srcId="{FBC1AEB8-D3B6-475C-B5A0-3FA114F894F4}" destId="{31546BCD-AFF4-4AD7-9FE1-EFDACE3E997B}" srcOrd="2" destOrd="0" parTransId="{87F06F72-A3DC-400E-9C99-DFC90612A118}" sibTransId="{65A52A09-B7F6-4EA9-9227-D46171BD0716}"/>
-    <dgm:cxn modelId="{B656EB7F-85AA-47B2-A042-8B50248108EA}" srcId="{FBC1AEB8-D3B6-475C-B5A0-3FA114F894F4}" destId="{37960625-CC93-4237-823A-B466C0E3BF79}" srcOrd="0" destOrd="0" parTransId="{933A0A76-BFF2-45C4-8F83-4F8DE9361076}" sibTransId="{4F408B23-65D4-4D7D-BE2E-2A00C78EA2AA}"/>
-    <dgm:cxn modelId="{8BD99687-2312-442C-BD47-F4C10BB765B6}" type="presOf" srcId="{4BDBFF30-85D7-44B8-80F9-A286B469A312}" destId="{B4F5BE6B-A62F-44D3-A83B-A914C007E87B}" srcOrd="0" destOrd="0" presId="urn:microsoft.com/office/officeart/2005/8/layout/hList3"/>
-    <dgm:cxn modelId="{32EA3393-A5D9-455B-A174-9460FEE8BCD2}" srcId="{FBC1AEB8-D3B6-475C-B5A0-3FA114F894F4}" destId="{CF3124D8-5660-4F89-BE28-548BADF507D9}" srcOrd="3" destOrd="0" parTransId="{CA0A7A06-3D82-443D-847D-8C3E950CAC46}" sibTransId="{4B2E30B0-CCBA-4B94-86FF-1867C54A74E7}"/>
     <dgm:cxn modelId="{B7D54C9D-83F5-423E-8443-27E61E0F8F50}" type="presOf" srcId="{05EC6701-7CC0-41CC-845C-A3B73BC26E0A}" destId="{6916CF77-BDDF-4519-87D8-03AE79A48DBA}" srcOrd="0" destOrd="0" presId="urn:microsoft.com/office/officeart/2005/8/layout/hList3"/>
     <dgm:cxn modelId="{49BF82A2-ACF4-4048-BB5A-EA698737C22C}" srcId="{4BDBFF30-85D7-44B8-80F9-A286B469A312}" destId="{FBC1AEB8-D3B6-475C-B5A0-3FA114F894F4}" srcOrd="0" destOrd="0" parTransId="{FBDA98FD-855E-4573-A3AE-0D70983E338D}" sibTransId="{5A48A9A9-3467-4EF5-A908-F25008AA59A8}"/>
+    <dgm:cxn modelId="{C5A34037-8036-4799-AAC2-4E9FA4E283C4}" srcId="{FBC1AEB8-D3B6-475C-B5A0-3FA114F894F4}" destId="{05EC6701-7CC0-41CC-845C-A3B73BC26E0A}" srcOrd="1" destOrd="0" parTransId="{55555C2C-6502-4E0D-AB3A-BA2A9D06F637}" sibTransId="{289054AD-C4D8-4D44-9C96-11A6EA245C8E}"/>
+    <dgm:cxn modelId="{32EA3393-A5D9-455B-A174-9460FEE8BCD2}" srcId="{FBC1AEB8-D3B6-475C-B5A0-3FA114F894F4}" destId="{CF3124D8-5660-4F89-BE28-548BADF507D9}" srcOrd="3" destOrd="0" parTransId="{CA0A7A06-3D82-443D-847D-8C3E950CAC46}" sibTransId="{4B2E30B0-CCBA-4B94-86FF-1867C54A74E7}"/>
+    <dgm:cxn modelId="{B656EB7F-85AA-47B2-A042-8B50248108EA}" srcId="{FBC1AEB8-D3B6-475C-B5A0-3FA114F894F4}" destId="{37960625-CC93-4237-823A-B466C0E3BF79}" srcOrd="0" destOrd="0" parTransId="{933A0A76-BFF2-45C4-8F83-4F8DE9361076}" sibTransId="{4F408B23-65D4-4D7D-BE2E-2A00C78EA2AA}"/>
+    <dgm:cxn modelId="{F10EBE58-C6A8-400B-8DDE-3CF0C7F1AA2D}" srcId="{FBC1AEB8-D3B6-475C-B5A0-3FA114F894F4}" destId="{31546BCD-AFF4-4AD7-9FE1-EFDACE3E997B}" srcOrd="2" destOrd="0" parTransId="{87F06F72-A3DC-400E-9C99-DFC90612A118}" sibTransId="{65A52A09-B7F6-4EA9-9227-D46171BD0716}"/>
+    <dgm:cxn modelId="{2B9FE562-2B9E-4A1C-A257-D372AD31EB67}" type="presOf" srcId="{37960625-CC93-4237-823A-B466C0E3BF79}" destId="{FAB72CA1-9E86-4089-AB0C-3E038A6DBFC3}" srcOrd="0" destOrd="0" presId="urn:microsoft.com/office/officeart/2005/8/layout/hList3"/>
     <dgm:cxn modelId="{3E554EAF-5295-40F2-BC58-7654EE4B0911}" type="presOf" srcId="{CF3124D8-5660-4F89-BE28-548BADF507D9}" destId="{0D698939-ED02-4CB4-8F34-44C89AA8462F}" srcOrd="0" destOrd="0" presId="urn:microsoft.com/office/officeart/2005/8/layout/hList3"/>
+    <dgm:cxn modelId="{8BD99687-2312-442C-BD47-F4C10BB765B6}" type="presOf" srcId="{4BDBFF30-85D7-44B8-80F9-A286B469A312}" destId="{B4F5BE6B-A62F-44D3-A83B-A914C007E87B}" srcOrd="0" destOrd="0" presId="urn:microsoft.com/office/officeart/2005/8/layout/hList3"/>
     <dgm:cxn modelId="{A9B266BB-34B0-4A66-8284-6A7FEAE265F1}" type="presOf" srcId="{31546BCD-AFF4-4AD7-9FE1-EFDACE3E997B}" destId="{A05398C4-7F60-43BC-8357-2DEB0326E55A}" srcOrd="0" destOrd="0" presId="urn:microsoft.com/office/officeart/2005/8/layout/hList3"/>
     <dgm:cxn modelId="{9302CB28-BE7A-4D58-9788-3A0579509EE2}" type="presParOf" srcId="{B4F5BE6B-A62F-44D3-A83B-A914C007E87B}" destId="{A621E88D-BFB2-4D4D-83CB-1C37507EE395}" srcOrd="0" destOrd="0" presId="urn:microsoft.com/office/officeart/2005/8/layout/hList3"/>
     <dgm:cxn modelId="{7D5270F5-A3D3-48DE-808E-B088A18538EB}" type="presParOf" srcId="{B4F5BE6B-A62F-44D3-A83B-A914C007E87B}" destId="{E7655B6F-4781-46AD-A804-B84F4205F22E}" srcOrd="1" destOrd="0" presId="urn:microsoft.com/office/officeart/2005/8/layout/hList3"/>
@@ -7387,7 +7662,7 @@
                 <a14:useLocalDpi xmlns:a14="http://schemas.microsoft.com/office/drawing/2010/main" val="0"/>
               </a:ext>
               <a:ext uri="{96DAC541-7B7A-43D3-8B79-37D633B846F1}">
-                <asvg:svgBlip xmlns:asvg="http://schemas.microsoft.com/office/drawing/2016/SVG/main" r:embed="rId2"/>
+                <asvg:svgBlip xmlns:asvg="http://schemas.microsoft.com/office/drawing/2016/SVG/main" xmlns="" r:embed="rId2"/>
               </a:ext>
             </a:extLst>
           </a:blip>
@@ -7453,7 +7728,7 @@
         </a:bodyPr>
         <a:lstStyle/>
         <a:p>
-          <a:pPr marL="0" lvl="0" indent="0" algn="l" defTabSz="933450">
+          <a:pPr lvl="0" algn="l" defTabSz="933450">
             <a:lnSpc>
               <a:spcPct val="90000"/>
             </a:lnSpc>
@@ -7463,7 +7738,6 @@
             <a:spcAft>
               <a:spcPct val="35000"/>
             </a:spcAft>
-            <a:buNone/>
           </a:pPr>
           <a:r>
             <a:rPr lang="es-ES" sz="2100" kern="1200" dirty="0"/>
@@ -7538,7 +7812,7 @@
                 <a14:useLocalDpi xmlns:a14="http://schemas.microsoft.com/office/drawing/2010/main" val="0"/>
               </a:ext>
               <a:ext uri="{96DAC541-7B7A-43D3-8B79-37D633B846F1}">
-                <asvg:svgBlip xmlns:asvg="http://schemas.microsoft.com/office/drawing/2016/SVG/main" r:embed="rId4"/>
+                <asvg:svgBlip xmlns:asvg="http://schemas.microsoft.com/office/drawing/2016/SVG/main" xmlns="" r:embed="rId4"/>
               </a:ext>
             </a:extLst>
           </a:blip>
@@ -7604,7 +7878,7 @@
         </a:bodyPr>
         <a:lstStyle/>
         <a:p>
-          <a:pPr marL="0" lvl="0" indent="0" algn="l" defTabSz="933450">
+          <a:pPr lvl="0" algn="l" defTabSz="933450">
             <a:lnSpc>
               <a:spcPct val="90000"/>
             </a:lnSpc>
@@ -7614,7 +7888,6 @@
             <a:spcAft>
               <a:spcPct val="35000"/>
             </a:spcAft>
-            <a:buNone/>
           </a:pPr>
           <a:r>
             <a:rPr lang="es-ES" sz="2100" kern="1200" dirty="0"/>
@@ -7689,7 +7962,7 @@
                 <a14:useLocalDpi xmlns:a14="http://schemas.microsoft.com/office/drawing/2010/main" val="0"/>
               </a:ext>
               <a:ext uri="{96DAC541-7B7A-43D3-8B79-37D633B846F1}">
-                <asvg:svgBlip xmlns:asvg="http://schemas.microsoft.com/office/drawing/2016/SVG/main" r:embed="rId6"/>
+                <asvg:svgBlip xmlns:asvg="http://schemas.microsoft.com/office/drawing/2016/SVG/main" xmlns="" r:embed="rId6"/>
               </a:ext>
             </a:extLst>
           </a:blip>
@@ -7756,7 +8029,7 @@
         </a:bodyPr>
         <a:lstStyle/>
         <a:p>
-          <a:pPr marL="0" lvl="0" indent="0" algn="l" defTabSz="933450">
+          <a:pPr lvl="0" algn="l" defTabSz="933450">
             <a:lnSpc>
               <a:spcPct val="90000"/>
             </a:lnSpc>
@@ -7766,7 +8039,6 @@
             <a:spcAft>
               <a:spcPct val="35000"/>
             </a:spcAft>
-            <a:buNone/>
           </a:pPr>
           <a:r>
             <a:rPr lang="es-ES" sz="2100" kern="1200" dirty="0"/>
@@ -7841,7 +8113,7 @@
                 <a14:useLocalDpi xmlns:a14="http://schemas.microsoft.com/office/drawing/2010/main" val="0"/>
               </a:ext>
               <a:ext uri="{96DAC541-7B7A-43D3-8B79-37D633B846F1}">
-                <asvg:svgBlip xmlns:asvg="http://schemas.microsoft.com/office/drawing/2016/SVG/main" r:embed="rId8"/>
+                <asvg:svgBlip xmlns:asvg="http://schemas.microsoft.com/office/drawing/2016/SVG/main" xmlns="" r:embed="rId8"/>
               </a:ext>
             </a:extLst>
           </a:blip>
@@ -7908,7 +8180,7 @@
         </a:bodyPr>
         <a:lstStyle/>
         <a:p>
-          <a:pPr marL="0" lvl="0" indent="0" algn="l" defTabSz="933450">
+          <a:pPr lvl="0" algn="l" defTabSz="933450">
             <a:lnSpc>
               <a:spcPct val="90000"/>
             </a:lnSpc>
@@ -7918,7 +8190,6 @@
             <a:spcAft>
               <a:spcPct val="35000"/>
             </a:spcAft>
-            <a:buNone/>
           </a:pPr>
           <a:r>
             <a:rPr lang="es-ES" sz="2100" kern="1200" dirty="0"/>
@@ -8000,7 +8271,7 @@
         </a:bodyPr>
         <a:lstStyle/>
         <a:p>
-          <a:pPr marL="0" lvl="0" indent="0" algn="l" defTabSz="933450">
+          <a:pPr lvl="0" algn="l" defTabSz="933450">
             <a:lnSpc>
               <a:spcPct val="90000"/>
             </a:lnSpc>
@@ -8010,7 +8281,6 @@
             <a:spcAft>
               <a:spcPct val="35000"/>
             </a:spcAft>
-            <a:buNone/>
           </a:pPr>
           <a:r>
             <a:rPr lang="es-MX" sz="2100" kern="1200" dirty="0"/>
@@ -8080,7 +8350,7 @@
         </a:bodyPr>
         <a:lstStyle/>
         <a:p>
-          <a:pPr marL="0" lvl="0" indent="0" algn="l" defTabSz="933450">
+          <a:pPr lvl="0" algn="l" defTabSz="933450">
             <a:lnSpc>
               <a:spcPct val="90000"/>
             </a:lnSpc>
@@ -8090,7 +8360,6 @@
             <a:spcAft>
               <a:spcPct val="35000"/>
             </a:spcAft>
-            <a:buNone/>
           </a:pPr>
           <a:r>
             <a:rPr lang="es-MX" sz="2100" kern="1200" dirty="0"/>
@@ -8160,7 +8429,7 @@
         </a:bodyPr>
         <a:lstStyle/>
         <a:p>
-          <a:pPr marL="0" lvl="0" indent="0" algn="l" defTabSz="933450">
+          <a:pPr lvl="0" algn="l" defTabSz="933450">
             <a:lnSpc>
               <a:spcPct val="90000"/>
             </a:lnSpc>
@@ -8170,7 +8439,6 @@
             <a:spcAft>
               <a:spcPct val="35000"/>
             </a:spcAft>
-            <a:buNone/>
           </a:pPr>
           <a:r>
             <a:rPr lang="es-MX" sz="2100" kern="1200" dirty="0"/>
@@ -8240,7 +8508,7 @@
         </a:bodyPr>
         <a:lstStyle/>
         <a:p>
-          <a:pPr marL="0" lvl="0" indent="0" algn="l" defTabSz="933450">
+          <a:pPr lvl="0" algn="l" defTabSz="933450">
             <a:lnSpc>
               <a:spcPct val="90000"/>
             </a:lnSpc>
@@ -8250,7 +8518,6 @@
             <a:spcAft>
               <a:spcPct val="35000"/>
             </a:spcAft>
-            <a:buNone/>
           </a:pPr>
           <a:r>
             <a:rPr lang="es-MX" sz="2100" kern="1200" dirty="0"/>
@@ -8323,7 +8590,7 @@
         </a:bodyPr>
         <a:lstStyle/>
         <a:p>
-          <a:pPr marL="0" lvl="0" indent="0" algn="ctr" defTabSz="1066800">
+          <a:pPr lvl="0" algn="ctr" defTabSz="1066800">
             <a:lnSpc>
               <a:spcPct val="90000"/>
             </a:lnSpc>
@@ -8333,7 +8600,6 @@
             <a:spcAft>
               <a:spcPct val="35000"/>
             </a:spcAft>
-            <a:buNone/>
           </a:pPr>
           <a:endParaRPr lang="en-US" sz="2400" kern="1200"/>
         </a:p>
@@ -8402,7 +8668,7 @@
         </a:bodyPr>
         <a:lstStyle/>
         <a:p>
-          <a:pPr marL="0" lvl="0" indent="0" algn="ctr" defTabSz="1066800">
+          <a:pPr lvl="0" algn="ctr" defTabSz="1066800">
             <a:lnSpc>
               <a:spcPct val="90000"/>
             </a:lnSpc>
@@ -8412,7 +8678,6 @@
             <a:spcAft>
               <a:spcPct val="35000"/>
             </a:spcAft>
-            <a:buNone/>
           </a:pPr>
           <a:endParaRPr lang="en-US" sz="2400" kern="1200"/>
         </a:p>
@@ -8481,7 +8746,7 @@
         </a:bodyPr>
         <a:lstStyle/>
         <a:p>
-          <a:pPr marL="0" lvl="0" indent="0" algn="ctr" defTabSz="1066800">
+          <a:pPr lvl="0" algn="ctr" defTabSz="1066800">
             <a:lnSpc>
               <a:spcPct val="90000"/>
             </a:lnSpc>
@@ -8491,7 +8756,6 @@
             <a:spcAft>
               <a:spcPct val="35000"/>
             </a:spcAft>
-            <a:buNone/>
           </a:pPr>
           <a:endParaRPr lang="en-US" sz="2400" kern="1200"/>
         </a:p>
@@ -8576,7 +8840,7 @@
                 <a14:useLocalDpi xmlns:a14="http://schemas.microsoft.com/office/drawing/2010/main" val="0"/>
               </a:ext>
               <a:ext uri="{96DAC541-7B7A-43D3-8B79-37D633B846F1}">
-                <asvg:svgBlip xmlns:asvg="http://schemas.microsoft.com/office/drawing/2016/SVG/main" r:embed="rId2"/>
+                <asvg:svgBlip xmlns:asvg="http://schemas.microsoft.com/office/drawing/2016/SVG/main" xmlns="" r:embed="rId2"/>
               </a:ext>
             </a:extLst>
           </a:blip>
@@ -8643,7 +8907,7 @@
         </a:bodyPr>
         <a:lstStyle/>
         <a:p>
-          <a:pPr marL="0" lvl="0" indent="0" algn="ctr" defTabSz="666750">
+          <a:pPr lvl="0" algn="ctr" defTabSz="666750">
             <a:lnSpc>
               <a:spcPct val="90000"/>
             </a:lnSpc>
@@ -8653,7 +8917,6 @@
             <a:spcAft>
               <a:spcPct val="35000"/>
             </a:spcAft>
-            <a:buNone/>
             <a:defRPr cap="all"/>
           </a:pPr>
           <a:r>
@@ -8731,7 +8994,7 @@
                 <a14:useLocalDpi xmlns:a14="http://schemas.microsoft.com/office/drawing/2010/main" val="0"/>
               </a:ext>
               <a:ext uri="{96DAC541-7B7A-43D3-8B79-37D633B846F1}">
-                <asvg:svgBlip xmlns:asvg="http://schemas.microsoft.com/office/drawing/2016/SVG/main" r:embed="rId4"/>
+                <asvg:svgBlip xmlns:asvg="http://schemas.microsoft.com/office/drawing/2016/SVG/main" xmlns="" r:embed="rId4"/>
               </a:ext>
             </a:extLst>
           </a:blip>
@@ -8798,7 +9061,7 @@
         </a:bodyPr>
         <a:lstStyle/>
         <a:p>
-          <a:pPr marL="0" lvl="0" indent="0" algn="ctr" defTabSz="666750">
+          <a:pPr lvl="0" algn="ctr" defTabSz="666750">
             <a:lnSpc>
               <a:spcPct val="90000"/>
             </a:lnSpc>
@@ -8808,7 +9071,6 @@
             <a:spcAft>
               <a:spcPct val="35000"/>
             </a:spcAft>
-            <a:buNone/>
             <a:defRPr cap="all"/>
           </a:pPr>
           <a:r>
@@ -8886,7 +9148,7 @@
                 <a14:useLocalDpi xmlns:a14="http://schemas.microsoft.com/office/drawing/2010/main" val="0"/>
               </a:ext>
               <a:ext uri="{96DAC541-7B7A-43D3-8B79-37D633B846F1}">
-                <asvg:svgBlip xmlns:asvg="http://schemas.microsoft.com/office/drawing/2016/SVG/main" r:embed="rId6"/>
+                <asvg:svgBlip xmlns:asvg="http://schemas.microsoft.com/office/drawing/2016/SVG/main" xmlns="" r:embed="rId6"/>
               </a:ext>
             </a:extLst>
           </a:blip>
@@ -8952,7 +9214,7 @@
         </a:bodyPr>
         <a:lstStyle/>
         <a:p>
-          <a:pPr marL="0" lvl="0" indent="0" algn="ctr" defTabSz="666750">
+          <a:pPr lvl="0" algn="ctr" defTabSz="666750">
             <a:lnSpc>
               <a:spcPct val="90000"/>
             </a:lnSpc>
@@ -8962,7 +9224,6 @@
             <a:spcAft>
               <a:spcPct val="35000"/>
             </a:spcAft>
-            <a:buNone/>
             <a:defRPr cap="all"/>
           </a:pPr>
           <a:r>
@@ -9040,7 +9301,7 @@
                 <a14:useLocalDpi xmlns:a14="http://schemas.microsoft.com/office/drawing/2010/main" val="0"/>
               </a:ext>
               <a:ext uri="{96DAC541-7B7A-43D3-8B79-37D633B846F1}">
-                <asvg:svgBlip xmlns:asvg="http://schemas.microsoft.com/office/drawing/2016/SVG/main" r:embed="rId8"/>
+                <asvg:svgBlip xmlns:asvg="http://schemas.microsoft.com/office/drawing/2016/SVG/main" xmlns="" r:embed="rId8"/>
               </a:ext>
             </a:extLst>
           </a:blip>
@@ -9106,7 +9367,7 @@
         </a:bodyPr>
         <a:lstStyle/>
         <a:p>
-          <a:pPr marL="0" lvl="0" indent="0" algn="ctr" defTabSz="666750">
+          <a:pPr lvl="0" algn="ctr" defTabSz="666750">
             <a:lnSpc>
               <a:spcPct val="90000"/>
             </a:lnSpc>
@@ -9116,7 +9377,6 @@
             <a:spcAft>
               <a:spcPct val="35000"/>
             </a:spcAft>
-            <a:buNone/>
             <a:defRPr cap="all"/>
           </a:pPr>
           <a:r>
@@ -9194,7 +9454,7 @@
                 <a14:useLocalDpi xmlns:a14="http://schemas.microsoft.com/office/drawing/2010/main" val="0"/>
               </a:ext>
               <a:ext uri="{96DAC541-7B7A-43D3-8B79-37D633B846F1}">
-                <asvg:svgBlip xmlns:asvg="http://schemas.microsoft.com/office/drawing/2016/SVG/main" r:embed="rId10"/>
+                <asvg:svgBlip xmlns:asvg="http://schemas.microsoft.com/office/drawing/2016/SVG/main" xmlns="" r:embed="rId10"/>
               </a:ext>
             </a:extLst>
           </a:blip>
@@ -9260,7 +9520,7 @@
         </a:bodyPr>
         <a:lstStyle/>
         <a:p>
-          <a:pPr marL="0" lvl="0" indent="0" algn="ctr" defTabSz="666750">
+          <a:pPr lvl="0" algn="ctr" defTabSz="666750">
             <a:lnSpc>
               <a:spcPct val="90000"/>
             </a:lnSpc>
@@ -9270,7 +9530,6 @@
             <a:spcAft>
               <a:spcPct val="35000"/>
             </a:spcAft>
-            <a:buNone/>
             <a:defRPr cap="all"/>
           </a:pPr>
           <a:r>
@@ -9348,7 +9607,7 @@
                 <a14:useLocalDpi xmlns:a14="http://schemas.microsoft.com/office/drawing/2010/main" val="0"/>
               </a:ext>
               <a:ext uri="{96DAC541-7B7A-43D3-8B79-37D633B846F1}">
-                <asvg:svgBlip xmlns:asvg="http://schemas.microsoft.com/office/drawing/2016/SVG/main" r:embed="rId12"/>
+                <asvg:svgBlip xmlns:asvg="http://schemas.microsoft.com/office/drawing/2016/SVG/main" xmlns="" r:embed="rId12"/>
               </a:ext>
             </a:extLst>
           </a:blip>
@@ -9414,7 +9673,7 @@
         </a:bodyPr>
         <a:lstStyle/>
         <a:p>
-          <a:pPr marL="0" lvl="0" indent="0" algn="ctr" defTabSz="666750">
+          <a:pPr lvl="0" algn="ctr" defTabSz="666750">
             <a:lnSpc>
               <a:spcPct val="90000"/>
             </a:lnSpc>
@@ -9424,7 +9683,6 @@
             <a:spcAft>
               <a:spcPct val="35000"/>
             </a:spcAft>
-            <a:buNone/>
             <a:defRPr cap="all"/>
           </a:pPr>
           <a:r>
@@ -9496,7 +9754,7 @@
         </a:bodyPr>
         <a:lstStyle/>
         <a:p>
-          <a:pPr marL="0" lvl="0" indent="0" algn="ctr" defTabSz="711200">
+          <a:pPr lvl="0" algn="ctr" defTabSz="711200">
             <a:lnSpc>
               <a:spcPct val="90000"/>
             </a:lnSpc>
@@ -9506,7 +9764,6 @@
             <a:spcAft>
               <a:spcPct val="35000"/>
             </a:spcAft>
-            <a:buNone/>
           </a:pPr>
           <a:r>
             <a:rPr lang="es-ES" sz="1600" b="1" kern="1200" dirty="0"/>
@@ -9526,7 +9783,7 @@
           </a:r>
         </a:p>
         <a:p>
-          <a:pPr marL="0" lvl="0" indent="0" algn="ctr" defTabSz="711200">
+          <a:pPr lvl="0" algn="ctr" defTabSz="711200">
             <a:lnSpc>
               <a:spcPct val="90000"/>
             </a:lnSpc>
@@ -9536,7 +9793,6 @@
             <a:spcAft>
               <a:spcPct val="35000"/>
             </a:spcAft>
-            <a:buNone/>
           </a:pPr>
           <a:endParaRPr lang="es-CL" sz="1100" kern="1200" dirty="0"/>
         </a:p>
@@ -9601,7 +9857,7 @@
         </a:bodyPr>
         <a:lstStyle/>
         <a:p>
-          <a:pPr marL="0" lvl="0" indent="0" algn="ctr" defTabSz="533400">
+          <a:pPr lvl="0" algn="ctr" defTabSz="533400">
             <a:lnSpc>
               <a:spcPct val="90000"/>
             </a:lnSpc>
@@ -9611,7 +9867,6 @@
             <a:spcAft>
               <a:spcPct val="35000"/>
             </a:spcAft>
-            <a:buNone/>
           </a:pPr>
           <a:r>
             <a:rPr lang="es-ES" sz="1200" b="1" kern="1200" dirty="0"/>
@@ -9619,7 +9874,7 @@
           </a:r>
         </a:p>
         <a:p>
-          <a:pPr marL="0" lvl="0" indent="0" algn="ctr" defTabSz="533400">
+          <a:pPr lvl="0" algn="ctr" defTabSz="533400">
             <a:lnSpc>
               <a:spcPct val="90000"/>
             </a:lnSpc>
@@ -9629,7 +9884,6 @@
             <a:spcAft>
               <a:spcPct val="35000"/>
             </a:spcAft>
-            <a:buNone/>
           </a:pPr>
           <a:r>
             <a:rPr lang="es-ES" sz="1200" kern="1200" dirty="0"/>
@@ -9702,7 +9956,7 @@
         </a:bodyPr>
         <a:lstStyle/>
         <a:p>
-          <a:pPr marL="0" lvl="0" indent="0" algn="ctr" defTabSz="533400">
+          <a:pPr lvl="0" algn="ctr" defTabSz="533400">
             <a:lnSpc>
               <a:spcPct val="90000"/>
             </a:lnSpc>
@@ -9712,7 +9966,6 @@
             <a:spcAft>
               <a:spcPct val="35000"/>
             </a:spcAft>
-            <a:buNone/>
           </a:pPr>
           <a:r>
             <a:rPr lang="es-ES" sz="1200" b="1" kern="1200" dirty="0"/>
@@ -9724,7 +9977,7 @@
           </a:r>
         </a:p>
         <a:p>
-          <a:pPr marL="0" lvl="0" indent="0" algn="ctr" defTabSz="533400">
+          <a:pPr lvl="0" algn="ctr" defTabSz="533400">
             <a:lnSpc>
               <a:spcPct val="90000"/>
             </a:lnSpc>
@@ -9734,7 +9987,6 @@
             <a:spcAft>
               <a:spcPct val="35000"/>
             </a:spcAft>
-            <a:buNone/>
           </a:pPr>
           <a:r>
             <a:rPr lang="es-ES" sz="1800" kern="1200" dirty="0"/>
@@ -9815,7 +10067,7 @@
         </a:bodyPr>
         <a:lstStyle/>
         <a:p>
-          <a:pPr marL="0" lvl="0" indent="0" algn="ctr" defTabSz="533400">
+          <a:pPr lvl="0" algn="ctr" defTabSz="533400">
             <a:lnSpc>
               <a:spcPct val="90000"/>
             </a:lnSpc>
@@ -9825,7 +10077,6 @@
             <a:spcAft>
               <a:spcPct val="35000"/>
             </a:spcAft>
-            <a:buNone/>
           </a:pPr>
           <a:r>
             <a:rPr lang="es-ES" sz="1200" b="1" kern="1200" dirty="0"/>
@@ -9837,7 +10088,7 @@
           </a:r>
         </a:p>
         <a:p>
-          <a:pPr marL="0" lvl="0" indent="0" algn="ctr" defTabSz="533400">
+          <a:pPr lvl="0" algn="ctr" defTabSz="533400">
             <a:lnSpc>
               <a:spcPct val="90000"/>
             </a:lnSpc>
@@ -9847,7 +10098,6 @@
             <a:spcAft>
               <a:spcPct val="35000"/>
             </a:spcAft>
-            <a:buNone/>
           </a:pPr>
           <a:r>
             <a:rPr lang="es-ES" sz="1800" kern="1200" dirty="0"/>
@@ -9962,7 +10212,7 @@
         </a:bodyPr>
         <a:lstStyle/>
         <a:p>
-          <a:pPr marL="0" lvl="0" indent="0" algn="ctr" defTabSz="711200">
+          <a:pPr lvl="0" algn="ctr" defTabSz="711200">
             <a:lnSpc>
               <a:spcPct val="90000"/>
             </a:lnSpc>
@@ -9972,7 +10222,6 @@
             <a:spcAft>
               <a:spcPct val="35000"/>
             </a:spcAft>
-            <a:buNone/>
           </a:pPr>
           <a:r>
             <a:rPr lang="es-ES" sz="1600" b="1" kern="1200" dirty="0"/>
@@ -10049,7 +10298,7 @@
         </a:bodyPr>
         <a:lstStyle/>
         <a:p>
-          <a:pPr marL="0" lvl="0" indent="0" algn="ctr" defTabSz="533400">
+          <a:pPr lvl="0" algn="ctr" defTabSz="533400">
             <a:lnSpc>
               <a:spcPct val="90000"/>
             </a:lnSpc>
@@ -10059,7 +10308,6 @@
             <a:spcAft>
               <a:spcPct val="35000"/>
             </a:spcAft>
-            <a:buNone/>
           </a:pPr>
           <a:r>
             <a:rPr lang="es-ES" sz="1200" b="1" kern="1200" dirty="0"/>
@@ -10140,7 +10388,7 @@
         </a:bodyPr>
         <a:lstStyle/>
         <a:p>
-          <a:pPr marL="0" lvl="0" indent="0" algn="ctr" defTabSz="533400">
+          <a:pPr lvl="0" algn="ctr" defTabSz="533400">
             <a:lnSpc>
               <a:spcPct val="90000"/>
             </a:lnSpc>
@@ -10150,7 +10398,6 @@
             <a:spcAft>
               <a:spcPct val="35000"/>
             </a:spcAft>
-            <a:buNone/>
           </a:pPr>
           <a:r>
             <a:rPr lang="es-ES" sz="1200" b="1" kern="1200" dirty="0"/>
@@ -10269,7 +10516,7 @@
         </a:bodyPr>
         <a:lstStyle/>
         <a:p>
-          <a:pPr marL="0" lvl="0" indent="0" algn="ctr" defTabSz="711200">
+          <a:pPr lvl="0" algn="ctr" defTabSz="711200">
             <a:lnSpc>
               <a:spcPct val="90000"/>
             </a:lnSpc>
@@ -10279,7 +10526,6 @@
             <a:spcAft>
               <a:spcPct val="35000"/>
             </a:spcAft>
-            <a:buNone/>
           </a:pPr>
           <a:r>
             <a:rPr lang="es-ES" sz="1600" b="1" kern="1200" dirty="0"/>
@@ -10296,7 +10542,7 @@
           <a:endParaRPr lang="es-CL" sz="1600" kern="1200" dirty="0"/>
         </a:p>
         <a:p>
-          <a:pPr marL="0" lvl="0" indent="0" algn="ctr" defTabSz="711200">
+          <a:pPr lvl="0" algn="ctr" defTabSz="711200">
             <a:lnSpc>
               <a:spcPct val="90000"/>
             </a:lnSpc>
@@ -10306,7 +10552,6 @@
             <a:spcAft>
               <a:spcPct val="35000"/>
             </a:spcAft>
-            <a:buNone/>
           </a:pPr>
           <a:endParaRPr lang="es-CL" sz="1050" kern="1200" dirty="0"/>
         </a:p>
@@ -10371,7 +10616,7 @@
         </a:bodyPr>
         <a:lstStyle/>
         <a:p>
-          <a:pPr marL="0" lvl="0" indent="0" algn="ctr" defTabSz="533400">
+          <a:pPr lvl="0" algn="ctr" defTabSz="533400">
             <a:lnSpc>
               <a:spcPct val="90000"/>
             </a:lnSpc>
@@ -10381,7 +10626,6 @@
             <a:spcAft>
               <a:spcPct val="35000"/>
             </a:spcAft>
-            <a:buNone/>
           </a:pPr>
           <a:r>
             <a:rPr lang="es-ES" sz="1200" b="1" kern="1200" dirty="0"/>
@@ -10393,7 +10637,7 @@
           </a:r>
         </a:p>
         <a:p>
-          <a:pPr marL="0" lvl="0" indent="0" algn="ctr" defTabSz="533400">
+          <a:pPr lvl="0" algn="ctr" defTabSz="533400">
             <a:lnSpc>
               <a:spcPct val="90000"/>
             </a:lnSpc>
@@ -10403,7 +10647,6 @@
             <a:spcAft>
               <a:spcPct val="35000"/>
             </a:spcAft>
-            <a:buNone/>
           </a:pPr>
           <a:r>
             <a:rPr lang="es-ES" sz="1400" kern="1200" dirty="0"/>
@@ -10472,7 +10715,7 @@
         </a:bodyPr>
         <a:lstStyle/>
         <a:p>
-          <a:pPr marL="0" lvl="0" indent="0" algn="ctr" defTabSz="533400">
+          <a:pPr lvl="0" algn="ctr" defTabSz="533400">
             <a:lnSpc>
               <a:spcPct val="90000"/>
             </a:lnSpc>
@@ -10482,7 +10725,6 @@
             <a:spcAft>
               <a:spcPct val="35000"/>
             </a:spcAft>
-            <a:buNone/>
           </a:pPr>
           <a:r>
             <a:rPr lang="es-ES" sz="1200" b="1" kern="1200" dirty="0"/>
@@ -10490,7 +10732,7 @@
           </a:r>
         </a:p>
         <a:p>
-          <a:pPr marL="0" lvl="0" indent="0" algn="ctr" defTabSz="533400">
+          <a:pPr lvl="0" algn="ctr" defTabSz="533400">
             <a:lnSpc>
               <a:spcPct val="90000"/>
             </a:lnSpc>
@@ -10500,7 +10742,6 @@
             <a:spcAft>
               <a:spcPct val="35000"/>
             </a:spcAft>
-            <a:buNone/>
           </a:pPr>
           <a:r>
             <a:rPr lang="es-ES" sz="1100" kern="1200" dirty="0"/>
@@ -10577,7 +10818,7 @@
         </a:bodyPr>
         <a:lstStyle/>
         <a:p>
-          <a:pPr marL="0" lvl="0" indent="0" algn="ctr" defTabSz="533400">
+          <a:pPr lvl="0" algn="ctr" defTabSz="533400">
             <a:lnSpc>
               <a:spcPct val="90000"/>
             </a:lnSpc>
@@ -10587,7 +10828,6 @@
             <a:spcAft>
               <a:spcPct val="35000"/>
             </a:spcAft>
-            <a:buNone/>
           </a:pPr>
           <a:r>
             <a:rPr lang="es-ES" sz="1200" b="1" kern="1200" dirty="0"/>
@@ -10595,7 +10835,7 @@
           </a:r>
         </a:p>
         <a:p>
-          <a:pPr marL="0" lvl="0" indent="0" algn="ctr" defTabSz="533400">
+          <a:pPr lvl="0" algn="ctr" defTabSz="533400">
             <a:lnSpc>
               <a:spcPct val="90000"/>
             </a:lnSpc>
@@ -10605,7 +10845,6 @@
             <a:spcAft>
               <a:spcPct val="35000"/>
             </a:spcAft>
-            <a:buNone/>
           </a:pPr>
           <a:r>
             <a:rPr lang="es-ES" sz="1400" kern="1200" dirty="0"/>
@@ -10674,7 +10913,7 @@
         </a:bodyPr>
         <a:lstStyle/>
         <a:p>
-          <a:pPr marL="0" lvl="0" indent="0" algn="ctr" defTabSz="577850">
+          <a:pPr lvl="0" algn="ctr" defTabSz="577850">
             <a:lnSpc>
               <a:spcPct val="90000"/>
             </a:lnSpc>
@@ -10684,7 +10923,6 @@
             <a:spcAft>
               <a:spcPct val="35000"/>
             </a:spcAft>
-            <a:buNone/>
           </a:pPr>
           <a:r>
             <a:rPr lang="es-ES" sz="1300" b="1" kern="1200" dirty="0"/>
@@ -10692,7 +10930,7 @@
           </a:r>
         </a:p>
         <a:p>
-          <a:pPr marL="0" lvl="0" indent="0" algn="ctr" defTabSz="577850">
+          <a:pPr lvl="0" algn="ctr" defTabSz="577850">
             <a:lnSpc>
               <a:spcPct val="90000"/>
             </a:lnSpc>
@@ -10702,7 +10940,6 @@
             <a:spcAft>
               <a:spcPct val="35000"/>
             </a:spcAft>
-            <a:buNone/>
           </a:pPr>
           <a:r>
             <a:rPr lang="es-ES" sz="1300" kern="1200" dirty="0"/>
@@ -11041,7 +11278,7 @@
   </dgm:layoutNode>
   <dgm:extLst>
     <a:ext uri="{68A01E43-0DF5-4B5B-8FA6-DAF915123BFB}">
-      <dgm1612:lstStyle xmlns:dgm1612="http://schemas.microsoft.com/office/drawing/2016/12/diagram">
+      <dgm1612:lstStyle xmlns:dgm1612="http://schemas.microsoft.com/office/drawing/2016/12/diagram" xmlns="">
         <a:lvl1pPr>
           <a:lnSpc>
             <a:spcPct val="100000"/>
@@ -12426,7 +12663,7 @@
             <dgm:adjLst/>
             <dgm:extLst>
               <a:ext uri="{B698B0E9-8C71-41B9-8309-B3DCBF30829C}">
-                <dgm1612:spPr xmlns:dgm1612="http://schemas.microsoft.com/office/drawing/2016/12/diagram">
+                <dgm1612:spPr xmlns:dgm1612="http://schemas.microsoft.com/office/drawing/2016/12/diagram" xmlns="">
                   <a:prstGeom prst="round2DiagRect">
                     <a:avLst>
                       <a:gd name="adj1" fmla="val 29727"/>
@@ -12498,7 +12735,7 @@
   </dgm:layoutNode>
   <dgm:extLst>
     <a:ext uri="{68A01E43-0DF5-4B5B-8FA6-DAF915123BFB}">
-      <dgm1612:lstStyle xmlns:dgm1612="http://schemas.microsoft.com/office/drawing/2016/12/diagram">
+      <dgm1612:lstStyle xmlns:dgm1612="http://schemas.microsoft.com/office/drawing/2016/12/diagram" xmlns="">
         <a:lvl1pPr>
           <a:lnSpc>
             <a:spcPct val="100000"/>
@@ -40613,7 +40850,7 @@
                 <a16:creationId xmlns:a16="http://schemas.microsoft.com/office/drawing/2014/main" id="{C411DB08-1669-426B-BBEB-FAD285EF80FE}"/>
               </a:ext>
               <a:ext uri="{C183D7F6-B498-43B3-948B-1728B52AA6E4}">
-                <adec:decorative xmlns:adec="http://schemas.microsoft.com/office/drawing/2017/decorative" val="1"/>
+                <adec:decorative xmlns:adec="http://schemas.microsoft.com/office/drawing/2017/decorative" xmlns="" val="1"/>
               </a:ext>
             </a:extLst>
           </p:cNvPr>
@@ -40673,7 +40910,7 @@
                 <a16:creationId xmlns:a16="http://schemas.microsoft.com/office/drawing/2014/main" id="{029E4219-121F-4CD1-AA58-24746CD2923C}"/>
               </a:ext>
               <a:ext uri="{C183D7F6-B498-43B3-948B-1728B52AA6E4}">
-                <adec:decorative xmlns:adec="http://schemas.microsoft.com/office/drawing/2017/decorative" val="1"/>
+                <adec:decorative xmlns:adec="http://schemas.microsoft.com/office/drawing/2017/decorative" xmlns="" val="1"/>
               </a:ext>
             </a:extLst>
           </p:cNvPr>
@@ -40768,7 +41005,7 @@
               <a:buNone/>
             </a:pPr>
             <a:r>
-              <a:rPr lang="es-ES" b="1">
+              <a:rPr lang="es-ES" b="1" dirty="0" smtClean="0">
                 <a:solidFill>
                   <a:srgbClr val="FFFFFF"/>
                 </a:solidFill>
@@ -40777,8 +41014,40 @@
                 <a:cs typeface="Arial"/>
                 <a:sym typeface="Arial"/>
               </a:rPr>
-              <a:t>PRESENTACIÓN FINAL</a:t>
+              <a:t>PROYECTO HOSPITALIZACIÓN DOMICILIARIA </a:t>
             </a:r>
+            <a:r>
+              <a:rPr lang="es-ES" b="1" dirty="0" smtClean="0">
+                <a:solidFill>
+                  <a:srgbClr val="FFFFFF"/>
+                </a:solidFill>
+                <a:latin typeface="Arial"/>
+                <a:ea typeface="Arial"/>
+                <a:cs typeface="Arial"/>
+                <a:sym typeface="Arial"/>
+              </a:rPr>
+              <a:t/>
+            </a:r>
+            <a:br>
+              <a:rPr lang="es-ES" b="1" dirty="0" smtClean="0">
+                <a:solidFill>
+                  <a:srgbClr val="FFFFFF"/>
+                </a:solidFill>
+                <a:latin typeface="Arial"/>
+                <a:ea typeface="Arial"/>
+                <a:cs typeface="Arial"/>
+                <a:sym typeface="Arial"/>
+              </a:rPr>
+            </a:br>
+            <a:endParaRPr lang="es-ES" b="1" dirty="0">
+              <a:solidFill>
+                <a:srgbClr val="FFFFFF"/>
+              </a:solidFill>
+              <a:latin typeface="Arial"/>
+              <a:ea typeface="Arial"/>
+              <a:cs typeface="Arial"/>
+              <a:sym typeface="Arial"/>
+            </a:endParaRPr>
           </a:p>
         </p:txBody>
       </p:sp>
@@ -40802,7 +41071,7 @@
           </a:prstGeom>
         </p:spPr>
         <p:txBody>
-          <a:bodyPr spcFirstLastPara="1" lIns="91425" tIns="91425" rIns="91425" bIns="91425" anchor="t" anchorCtr="0">
+          <a:bodyPr spcFirstLastPara="1" lIns="91425" tIns="91425" rIns="91425" bIns="91425" numCol="2" anchor="t" anchorCtr="0">
             <a:normAutofit/>
           </a:bodyPr>
           <a:lstStyle/>
@@ -40821,7 +41090,7 @@
               <a:buNone/>
             </a:pPr>
             <a:r>
-              <a:rPr lang="es-ES" sz="1400">
+              <a:rPr lang="es-ES" sz="1400" dirty="0">
                 <a:solidFill>
                   <a:srgbClr val="FFFFFF"/>
                 </a:solidFill>
@@ -40844,12 +41113,20 @@
               <a:buNone/>
             </a:pPr>
             <a:r>
-              <a:rPr lang="es-ES" sz="1400">
+              <a:rPr lang="es-ES" sz="1400" dirty="0" smtClean="0">
                 <a:solidFill>
                   <a:srgbClr val="FFFFFF"/>
                 </a:solidFill>
               </a:rPr>
-              <a:t>-RODRIGO GARRIDO</a:t>
+              <a:t>RODRIGO </a:t>
+            </a:r>
+            <a:r>
+              <a:rPr lang="es-ES" sz="1400" dirty="0">
+                <a:solidFill>
+                  <a:srgbClr val="FFFFFF"/>
+                </a:solidFill>
+              </a:rPr>
+              <a:t>GARRIDO</a:t>
             </a:r>
           </a:p>
           <a:p>
@@ -40867,12 +41144,20 @@
               <a:buNone/>
             </a:pPr>
             <a:r>
-              <a:rPr lang="es-ES" sz="1400">
+              <a:rPr lang="es-ES" sz="1400" dirty="0" smtClean="0">
                 <a:solidFill>
                   <a:srgbClr val="FFFFFF"/>
                 </a:solidFill>
               </a:rPr>
-              <a:t>-DANIEL SOTO</a:t>
+              <a:t>DANIEL </a:t>
+            </a:r>
+            <a:r>
+              <a:rPr lang="es-ES" sz="1400" dirty="0">
+                <a:solidFill>
+                  <a:srgbClr val="FFFFFF"/>
+                </a:solidFill>
+              </a:rPr>
+              <a:t>SOTO</a:t>
             </a:r>
           </a:p>
           <a:p>
@@ -40890,12 +41175,20 @@
               <a:buNone/>
             </a:pPr>
             <a:r>
-              <a:rPr lang="es-ES" sz="1400">
+              <a:rPr lang="es-ES" sz="1400" dirty="0" smtClean="0">
                 <a:solidFill>
                   <a:srgbClr val="FFFFFF"/>
                 </a:solidFill>
               </a:rPr>
-              <a:t>-SEBASTIÁN HERRERA</a:t>
+              <a:t>SEBASTIÁN </a:t>
+            </a:r>
+            <a:r>
+              <a:rPr lang="es-ES" sz="1400" dirty="0">
+                <a:solidFill>
+                  <a:srgbClr val="FFFFFF"/>
+                </a:solidFill>
+              </a:rPr>
+              <a:t>HERRERA</a:t>
             </a:r>
           </a:p>
           <a:p>
@@ -40913,12 +41206,20 @@
               <a:buNone/>
             </a:pPr>
             <a:r>
-              <a:rPr lang="es-ES" sz="1400">
+              <a:rPr lang="es-ES" sz="1400" dirty="0" smtClean="0">
                 <a:solidFill>
                   <a:srgbClr val="FFFFFF"/>
                 </a:solidFill>
               </a:rPr>
-              <a:t>-PABLO RINGLER</a:t>
+              <a:t>PABLO </a:t>
+            </a:r>
+            <a:r>
+              <a:rPr lang="es-ES" sz="1400" dirty="0">
+                <a:solidFill>
+                  <a:srgbClr val="FFFFFF"/>
+                </a:solidFill>
+              </a:rPr>
+              <a:t>RINGLER</a:t>
             </a:r>
           </a:p>
           <a:p>
@@ -40936,12 +41237,20 @@
               <a:buNone/>
             </a:pPr>
             <a:r>
-              <a:rPr lang="es-ES" sz="1400">
+              <a:rPr lang="es-ES" sz="1400" dirty="0" smtClean="0">
                 <a:solidFill>
                   <a:srgbClr val="FFFFFF"/>
                 </a:solidFill>
               </a:rPr>
-              <a:t>-DIEGO MUÑOZ</a:t>
+              <a:t>DIEGO </a:t>
+            </a:r>
+            <a:r>
+              <a:rPr lang="es-ES" sz="1400" dirty="0">
+                <a:solidFill>
+                  <a:srgbClr val="FFFFFF"/>
+                </a:solidFill>
+              </a:rPr>
+              <a:t>MUÑOZ</a:t>
             </a:r>
           </a:p>
           <a:p>
@@ -40959,13 +41268,144 @@
               <a:buNone/>
             </a:pPr>
             <a:r>
-              <a:rPr lang="es-ES" sz="1400">
+              <a:rPr lang="es-ES" sz="1400" dirty="0" smtClean="0">
                 <a:solidFill>
                   <a:srgbClr val="FFFFFF"/>
                 </a:solidFill>
               </a:rPr>
-              <a:t>-CRISTIAN MEZA</a:t>
+              <a:t>CRISTIAN MEZA</a:t>
             </a:r>
+          </a:p>
+          <a:p>
+            <a:pPr marL="0" lvl="0" indent="0" algn="r" rtl="0">
+              <a:lnSpc>
+                <a:spcPct val="90000"/>
+              </a:lnSpc>
+              <a:spcBef>
+                <a:spcPts val="1000"/>
+              </a:spcBef>
+              <a:spcAft>
+                <a:spcPts val="0"/>
+              </a:spcAft>
+              <a:buSzPts val="1530"/>
+              <a:buNone/>
+            </a:pPr>
+            <a:r>
+              <a:rPr lang="es-ES" sz="1400" dirty="0" smtClean="0">
+                <a:solidFill>
+                  <a:srgbClr val="FFFFFF"/>
+                </a:solidFill>
+              </a:rPr>
+              <a:t>PROFESORES: </a:t>
+            </a:r>
+          </a:p>
+          <a:p>
+            <a:pPr marL="0" lvl="0" indent="0" algn="r" rtl="0">
+              <a:lnSpc>
+                <a:spcPct val="90000"/>
+              </a:lnSpc>
+              <a:spcBef>
+                <a:spcPts val="1000"/>
+              </a:spcBef>
+              <a:spcAft>
+                <a:spcPts val="0"/>
+              </a:spcAft>
+              <a:buSzPts val="1530"/>
+              <a:buNone/>
+            </a:pPr>
+            <a:r>
+              <a:rPr lang="es-ES" sz="1400" dirty="0" smtClean="0">
+                <a:solidFill>
+                  <a:srgbClr val="FFFFFF"/>
+                </a:solidFill>
+              </a:rPr>
+              <a:t>GUSTAVO GATICA</a:t>
+            </a:r>
+          </a:p>
+          <a:p>
+            <a:pPr marL="0" lvl="0" indent="0" algn="r" rtl="0">
+              <a:lnSpc>
+                <a:spcPct val="90000"/>
+              </a:lnSpc>
+              <a:spcBef>
+                <a:spcPts val="1000"/>
+              </a:spcBef>
+              <a:spcAft>
+                <a:spcPts val="0"/>
+              </a:spcAft>
+              <a:buSzPts val="1530"/>
+              <a:buNone/>
+            </a:pPr>
+            <a:r>
+              <a:rPr lang="es-ES" sz="1400" dirty="0" smtClean="0">
+                <a:solidFill>
+                  <a:srgbClr val="FFFFFF"/>
+                </a:solidFill>
+              </a:rPr>
+              <a:t>LUIS ROJAS</a:t>
+            </a:r>
+          </a:p>
+          <a:p>
+            <a:pPr algn="r">
+              <a:lnSpc>
+                <a:spcPct val="90000"/>
+              </a:lnSpc>
+              <a:spcBef>
+                <a:spcPts val="1000"/>
+              </a:spcBef>
+              <a:spcAft>
+                <a:spcPts val="0"/>
+              </a:spcAft>
+              <a:buSzPts val="1530"/>
+            </a:pPr>
+            <a:r>
+              <a:rPr lang="es-ES" sz="1400" dirty="0">
+                <a:solidFill>
+                  <a:srgbClr val="FFFFFF"/>
+                </a:solidFill>
+              </a:rPr>
+              <a:t>PABLO SCHAWARZENBERG</a:t>
+            </a:r>
+          </a:p>
+          <a:p>
+            <a:pPr marL="0" lvl="0" indent="0" algn="r" rtl="0">
+              <a:lnSpc>
+                <a:spcPct val="90000"/>
+              </a:lnSpc>
+              <a:spcBef>
+                <a:spcPts val="1000"/>
+              </a:spcBef>
+              <a:spcAft>
+                <a:spcPts val="0"/>
+              </a:spcAft>
+              <a:buSzPts val="1530"/>
+              <a:buNone/>
+            </a:pPr>
+            <a:endParaRPr lang="es-ES" sz="1400" dirty="0" smtClean="0">
+              <a:solidFill>
+                <a:srgbClr val="FFFFFF"/>
+              </a:solidFill>
+            </a:endParaRPr>
+          </a:p>
+          <a:p>
+            <a:pPr marL="0" lvl="0" indent="0" algn="r" rtl="0">
+              <a:lnSpc>
+                <a:spcPct val="90000"/>
+              </a:lnSpc>
+              <a:spcBef>
+                <a:spcPts val="1000"/>
+              </a:spcBef>
+              <a:spcAft>
+                <a:spcPts val="0"/>
+              </a:spcAft>
+              <a:buSzPts val="1530"/>
+              <a:buNone/>
+            </a:pPr>
+            <a:endParaRPr lang="es-ES" sz="1400" dirty="0">
+              <a:solidFill>
+                <a:srgbClr val="FFFFFF"/>
+              </a:solidFill>
+            </a:endParaRPr>
           </a:p>
         </p:txBody>
       </p:sp>
@@ -40977,7 +41417,7 @@
                 <a16:creationId xmlns:a16="http://schemas.microsoft.com/office/drawing/2014/main" id="{52F50912-06FD-4216-BAD3-21050F59564A}"/>
               </a:ext>
               <a:ext uri="{C183D7F6-B498-43B3-948B-1728B52AA6E4}">
-                <adec:decorative xmlns:adec="http://schemas.microsoft.com/office/drawing/2017/decorative" val="1"/>
+                <adec:decorative xmlns:adec="http://schemas.microsoft.com/office/drawing/2017/decorative" xmlns="" val="1"/>
               </a:ext>
             </a:extLst>
           </p:cNvPr>
@@ -41044,9 +41484,6 @@
               <a:ext uri="{28A0092B-C50C-407E-A947-70E740481C1C}">
                 <a14:useLocalDpi xmlns:a14="http://schemas.microsoft.com/office/drawing/2010/main" val="0"/>
               </a:ext>
-              <a:ext uri="{96DAC541-7B7A-43D3-8B79-37D633B846F1}">
-                <asvg:svgBlip xmlns:asvg="http://schemas.microsoft.com/office/drawing/2016/SVG/main" r:embed="rId4"/>
-              </a:ext>
             </a:extLst>
           </a:blip>
           <a:stretch>
@@ -41055,8 +41492,8 @@
         </p:blipFill>
         <p:spPr>
           <a:xfrm>
-            <a:off x="9307911" y="2604714"/>
-            <a:ext cx="1648572" cy="1648572"/>
+            <a:off x="8740050" y="1953491"/>
+            <a:ext cx="2941643" cy="2473381"/>
           </a:xfrm>
           <a:prstGeom prst="rect">
             <a:avLst/>
@@ -41104,7 +41541,7 @@
                 <a16:creationId xmlns:a16="http://schemas.microsoft.com/office/drawing/2014/main" id="{F7422F06-6017-4361-8872-E0E2CEB20B48}"/>
               </a:ext>
               <a:ext uri="{C183D7F6-B498-43B3-948B-1728B52AA6E4}">
-                <adec:decorative xmlns:adec="http://schemas.microsoft.com/office/drawing/2017/decorative" val="1"/>
+                <adec:decorative xmlns:adec="http://schemas.microsoft.com/office/drawing/2017/decorative" xmlns="" val="1"/>
               </a:ext>
             </a:extLst>
           </p:cNvPr>
@@ -41280,7 +41717,7 @@
                 <a16:creationId xmlns:a16="http://schemas.microsoft.com/office/drawing/2014/main" id="{0AE4C84F-7457-4662-AFA3-554A32B9C3DC}"/>
               </a:ext>
               <a:ext uri="{C183D7F6-B498-43B3-948B-1728B52AA6E4}">
-                <adec:decorative xmlns:adec="http://schemas.microsoft.com/office/drawing/2017/decorative" val="1"/>
+                <adec:decorative xmlns:adec="http://schemas.microsoft.com/office/drawing/2017/decorative" xmlns="" val="1"/>
               </a:ext>
             </a:extLst>
           </p:cNvPr>
@@ -41340,7 +41777,7 @@
                 <a16:creationId xmlns:a16="http://schemas.microsoft.com/office/drawing/2014/main" id="{9DF9B39E-8A25-4BC3-B3C0-ACD46B94E6DF}"/>
               </a:ext>
               <a:ext uri="{C183D7F6-B498-43B3-948B-1728B52AA6E4}">
-                <adec:decorative xmlns:adec="http://schemas.microsoft.com/office/drawing/2017/decorative" val="1"/>
+                <adec:decorative xmlns:adec="http://schemas.microsoft.com/office/drawing/2017/decorative" xmlns="" val="1"/>
               </a:ext>
             </a:extLst>
           </p:cNvPr>
@@ -41452,7 +41889,7 @@
                 <a16:creationId xmlns:a16="http://schemas.microsoft.com/office/drawing/2014/main" id="{BA91CE2E-0B4F-41F3-95F2-0EB7003685D2}"/>
               </a:ext>
               <a:ext uri="{C183D7F6-B498-43B3-948B-1728B52AA6E4}">
-                <adec:decorative xmlns:adec="http://schemas.microsoft.com/office/drawing/2017/decorative" val="1"/>
+                <adec:decorative xmlns:adec="http://schemas.microsoft.com/office/drawing/2017/decorative" xmlns="" val="1"/>
               </a:ext>
             </a:extLst>
           </p:cNvPr>
@@ -41570,7 +42007,7 @@
                 <a16:creationId xmlns:a16="http://schemas.microsoft.com/office/drawing/2014/main" id="{F7422F06-6017-4361-8872-E0E2CEB20B48}"/>
               </a:ext>
               <a:ext uri="{C183D7F6-B498-43B3-948B-1728B52AA6E4}">
-                <adec:decorative xmlns:adec="http://schemas.microsoft.com/office/drawing/2017/decorative" val="1"/>
+                <adec:decorative xmlns:adec="http://schemas.microsoft.com/office/drawing/2017/decorative" xmlns="" val="1"/>
               </a:ext>
             </a:extLst>
           </p:cNvPr>
@@ -42332,6 +42769,621 @@
 <file path=ppt/slides/slide8.xml><?xml version="1.0" encoding="utf-8"?>
 <p:sld xmlns:a="http://schemas.openxmlformats.org/drawingml/2006/main" xmlns:r="http://schemas.openxmlformats.org/officeDocument/2006/relationships" xmlns:p="http://schemas.openxmlformats.org/presentationml/2006/main">
   <p:cSld>
+    <p:spTree>
+      <p:nvGrpSpPr>
+        <p:cNvPr id="1" name=""/>
+        <p:cNvGrpSpPr/>
+        <p:nvPr/>
+      </p:nvGrpSpPr>
+      <p:grpSpPr>
+        <a:xfrm>
+          <a:off x="0" y="0"/>
+          <a:ext cx="0" cy="0"/>
+          <a:chOff x="0" y="0"/>
+          <a:chExt cx="0" cy="0"/>
+        </a:xfrm>
+      </p:grpSpPr>
+      <p:pic>
+        <p:nvPicPr>
+          <p:cNvPr id="3" name="Imagen 2" descr="Imagen que contiene captura de pantalla&#10;&#10;Descripción generada automáticamente">
+            <a:extLst>
+              <a:ext uri="{FF2B5EF4-FFF2-40B4-BE49-F238E27FC236}">
+                <a16:creationId xmlns:a16="http://schemas.microsoft.com/office/drawing/2014/main" id="{BA55DF21-D8A7-43A8-93A7-60C3599961F4}"/>
+              </a:ext>
+            </a:extLst>
+          </p:cNvPr>
+          <p:cNvPicPr>
+            <a:picLocks noChangeAspect="1"/>
+          </p:cNvPicPr>
+          <p:nvPr/>
+        </p:nvPicPr>
+        <p:blipFill>
+          <a:blip r:embed="rId2"/>
+          <a:stretch>
+            <a:fillRect/>
+          </a:stretch>
+        </p:blipFill>
+        <p:spPr>
+          <a:xfrm>
+            <a:off x="0" y="0"/>
+            <a:ext cx="12192000" cy="6858000"/>
+          </a:xfrm>
+          <a:prstGeom prst="rect">
+            <a:avLst/>
+          </a:prstGeom>
+        </p:spPr>
+      </p:pic>
+      <p:pic>
+        <p:nvPicPr>
+          <p:cNvPr id="5" name="Imagen 4" descr="Imagen que contiene captura de pantalla&#10;&#10;Descripción generada automáticamente">
+            <a:extLst>
+              <a:ext uri="{FF2B5EF4-FFF2-40B4-BE49-F238E27FC236}">
+                <a16:creationId xmlns:a16="http://schemas.microsoft.com/office/drawing/2014/main" id="{81ACB102-032C-4CAD-B74C-E18553F46812}"/>
+              </a:ext>
+            </a:extLst>
+          </p:cNvPr>
+          <p:cNvPicPr>
+            <a:picLocks noChangeAspect="1"/>
+          </p:cNvPicPr>
+          <p:nvPr/>
+        </p:nvPicPr>
+        <p:blipFill>
+          <a:blip r:embed="rId3"/>
+          <a:stretch>
+            <a:fillRect/>
+          </a:stretch>
+        </p:blipFill>
+        <p:spPr>
+          <a:xfrm>
+            <a:off x="0" y="0"/>
+            <a:ext cx="12192000" cy="6858000"/>
+          </a:xfrm>
+          <a:prstGeom prst="rect">
+            <a:avLst/>
+          </a:prstGeom>
+        </p:spPr>
+      </p:pic>
+      <p:pic>
+        <p:nvPicPr>
+          <p:cNvPr id="7" name="Imagen 6" descr="Imagen que contiene captura de pantalla&#10;&#10;Descripción generada automáticamente">
+            <a:extLst>
+              <a:ext uri="{FF2B5EF4-FFF2-40B4-BE49-F238E27FC236}">
+                <a16:creationId xmlns:a16="http://schemas.microsoft.com/office/drawing/2014/main" id="{99E7436B-C3E0-4D03-B424-B41115F1BC42}"/>
+              </a:ext>
+            </a:extLst>
+          </p:cNvPr>
+          <p:cNvPicPr>
+            <a:picLocks noChangeAspect="1"/>
+          </p:cNvPicPr>
+          <p:nvPr/>
+        </p:nvPicPr>
+        <p:blipFill>
+          <a:blip r:embed="rId4"/>
+          <a:stretch>
+            <a:fillRect/>
+          </a:stretch>
+        </p:blipFill>
+        <p:spPr>
+          <a:xfrm>
+            <a:off x="0" y="0"/>
+            <a:ext cx="12192000" cy="6858000"/>
+          </a:xfrm>
+          <a:prstGeom prst="rect">
+            <a:avLst/>
+          </a:prstGeom>
+        </p:spPr>
+      </p:pic>
+      <p:pic>
+        <p:nvPicPr>
+          <p:cNvPr id="9" name="Imagen 8" descr="Imagen que contiene captura de pantalla&#10;&#10;Descripción generada automáticamente">
+            <a:extLst>
+              <a:ext uri="{FF2B5EF4-FFF2-40B4-BE49-F238E27FC236}">
+                <a16:creationId xmlns:a16="http://schemas.microsoft.com/office/drawing/2014/main" id="{5A915122-D9F9-411B-B6B0-261C4DB7133E}"/>
+              </a:ext>
+            </a:extLst>
+          </p:cNvPr>
+          <p:cNvPicPr>
+            <a:picLocks noChangeAspect="1"/>
+          </p:cNvPicPr>
+          <p:nvPr/>
+        </p:nvPicPr>
+        <p:blipFill>
+          <a:blip r:embed="rId5"/>
+          <a:stretch>
+            <a:fillRect/>
+          </a:stretch>
+        </p:blipFill>
+        <p:spPr>
+          <a:xfrm>
+            <a:off x="0" y="0"/>
+            <a:ext cx="12192000" cy="6858000"/>
+          </a:xfrm>
+          <a:prstGeom prst="rect">
+            <a:avLst/>
+          </a:prstGeom>
+        </p:spPr>
+      </p:pic>
+      <p:pic>
+        <p:nvPicPr>
+          <p:cNvPr id="11" name="Imagen 10" descr="Imagen que contiene captura de pantalla&#10;&#10;Descripción generada automáticamente">
+            <a:extLst>
+              <a:ext uri="{FF2B5EF4-FFF2-40B4-BE49-F238E27FC236}">
+                <a16:creationId xmlns:a16="http://schemas.microsoft.com/office/drawing/2014/main" id="{1FB24735-270D-43CF-9243-7A07C4DA5665}"/>
+              </a:ext>
+            </a:extLst>
+          </p:cNvPr>
+          <p:cNvPicPr>
+            <a:picLocks noChangeAspect="1"/>
+          </p:cNvPicPr>
+          <p:nvPr/>
+        </p:nvPicPr>
+        <p:blipFill>
+          <a:blip r:embed="rId6"/>
+          <a:stretch>
+            <a:fillRect/>
+          </a:stretch>
+        </p:blipFill>
+        <p:spPr>
+          <a:xfrm>
+            <a:off x="1" y="-3517"/>
+            <a:ext cx="6096000" cy="3596019"/>
+          </a:xfrm>
+          <a:prstGeom prst="rect">
+            <a:avLst/>
+          </a:prstGeom>
+        </p:spPr>
+      </p:pic>
+      <p:pic>
+        <p:nvPicPr>
+          <p:cNvPr id="13" name="Imagen 12" descr="Imagen que contiene captura de pantalla&#10;&#10;Descripción generada automáticamente">
+            <a:extLst>
+              <a:ext uri="{FF2B5EF4-FFF2-40B4-BE49-F238E27FC236}">
+                <a16:creationId xmlns:a16="http://schemas.microsoft.com/office/drawing/2014/main" id="{F01821DC-E98B-482A-A69D-B5D7B61E0635}"/>
+              </a:ext>
+            </a:extLst>
+          </p:cNvPr>
+          <p:cNvPicPr>
+            <a:picLocks noChangeAspect="1"/>
+          </p:cNvPicPr>
+          <p:nvPr/>
+        </p:nvPicPr>
+        <p:blipFill>
+          <a:blip r:embed="rId7"/>
+          <a:stretch>
+            <a:fillRect/>
+          </a:stretch>
+        </p:blipFill>
+        <p:spPr>
+          <a:xfrm>
+            <a:off x="6096000" y="-40148"/>
+            <a:ext cx="6096001" cy="3469148"/>
+          </a:xfrm>
+          <a:prstGeom prst="rect">
+            <a:avLst/>
+          </a:prstGeom>
+        </p:spPr>
+      </p:pic>
+      <p:pic>
+        <p:nvPicPr>
+          <p:cNvPr id="15" name="Imagen 14" descr="Imagen que contiene captura de pantalla&#10;&#10;Descripción generada automáticamente">
+            <a:extLst>
+              <a:ext uri="{FF2B5EF4-FFF2-40B4-BE49-F238E27FC236}">
+                <a16:creationId xmlns:a16="http://schemas.microsoft.com/office/drawing/2014/main" id="{3CA83ED2-392F-41A8-8897-4B661887BA8C}"/>
+              </a:ext>
+            </a:extLst>
+          </p:cNvPr>
+          <p:cNvPicPr>
+            <a:picLocks noChangeAspect="1"/>
+          </p:cNvPicPr>
+          <p:nvPr/>
+        </p:nvPicPr>
+        <p:blipFill>
+          <a:blip r:embed="rId8"/>
+          <a:stretch>
+            <a:fillRect/>
+          </a:stretch>
+        </p:blipFill>
+        <p:spPr>
+          <a:xfrm>
+            <a:off x="3048001" y="3645325"/>
+            <a:ext cx="6096001" cy="3212675"/>
+          </a:xfrm>
+          <a:prstGeom prst="rect">
+            <a:avLst/>
+          </a:prstGeom>
+        </p:spPr>
+      </p:pic>
+      <p:pic>
+        <p:nvPicPr>
+          <p:cNvPr id="17" name="Imagen 16" descr="Imagen que contiene captura de pantalla&#10;&#10;Descripción generada automáticamente">
+            <a:extLst>
+              <a:ext uri="{FF2B5EF4-FFF2-40B4-BE49-F238E27FC236}">
+                <a16:creationId xmlns:a16="http://schemas.microsoft.com/office/drawing/2014/main" id="{86A5131D-E19B-4822-B56F-72CC692A43F5}"/>
+              </a:ext>
+            </a:extLst>
+          </p:cNvPr>
+          <p:cNvPicPr>
+            <a:picLocks noChangeAspect="1"/>
+          </p:cNvPicPr>
+          <p:nvPr/>
+        </p:nvPicPr>
+        <p:blipFill>
+          <a:blip r:embed="rId9"/>
+          <a:stretch>
+            <a:fillRect/>
+          </a:stretch>
+        </p:blipFill>
+        <p:spPr>
+          <a:xfrm>
+            <a:off x="-1" y="0"/>
+            <a:ext cx="12192001" cy="6858000"/>
+          </a:xfrm>
+          <a:prstGeom prst="rect">
+            <a:avLst/>
+          </a:prstGeom>
+        </p:spPr>
+      </p:pic>
+    </p:spTree>
+    <p:extLst>
+      <p:ext uri="{BB962C8B-B14F-4D97-AF65-F5344CB8AC3E}">
+        <p14:creationId xmlns:p14="http://schemas.microsoft.com/office/powerpoint/2010/main" val="931692072"/>
+      </p:ext>
+    </p:extLst>
+  </p:cSld>
+  <p:clrMapOvr>
+    <a:masterClrMapping/>
+  </p:clrMapOvr>
+  <p:timing>
+    <p:tnLst>
+      <p:par>
+        <p:cTn id="1" dur="indefinite" restart="never" nodeType="tmRoot">
+          <p:childTnLst>
+            <p:seq concurrent="1" nextAc="seek">
+              <p:cTn id="2" dur="indefinite" nodeType="mainSeq">
+                <p:childTnLst>
+                  <p:par>
+                    <p:cTn id="3" fill="hold">
+                      <p:stCondLst>
+                        <p:cond delay="indefinite"/>
+                      </p:stCondLst>
+                      <p:childTnLst>
+                        <p:par>
+                          <p:cTn id="4" fill="hold">
+                            <p:stCondLst>
+                              <p:cond delay="0"/>
+                            </p:stCondLst>
+                            <p:childTnLst>
+                              <p:par>
+                                <p:cTn id="5" presetID="1" presetClass="entr" presetSubtype="0" fill="hold" nodeType="clickEffect">
+                                  <p:stCondLst>
+                                    <p:cond delay="0"/>
+                                  </p:stCondLst>
+                                  <p:childTnLst>
+                                    <p:set>
+                                      <p:cBhvr>
+                                        <p:cTn id="6" dur="1" fill="hold">
+                                          <p:stCondLst>
+                                            <p:cond delay="0"/>
+                                          </p:stCondLst>
+                                        </p:cTn>
+                                        <p:tgtEl>
+                                          <p:spTgt spid="5"/>
+                                        </p:tgtEl>
+                                        <p:attrNameLst>
+                                          <p:attrName>style.visibility</p:attrName>
+                                        </p:attrNameLst>
+                                      </p:cBhvr>
+                                      <p:to>
+                                        <p:strVal val="visible"/>
+                                      </p:to>
+                                    </p:set>
+                                  </p:childTnLst>
+                                </p:cTn>
+                              </p:par>
+                            </p:childTnLst>
+                          </p:cTn>
+                        </p:par>
+                      </p:childTnLst>
+                    </p:cTn>
+                  </p:par>
+                  <p:par>
+                    <p:cTn id="7" fill="hold">
+                      <p:stCondLst>
+                        <p:cond delay="indefinite"/>
+                      </p:stCondLst>
+                      <p:childTnLst>
+                        <p:par>
+                          <p:cTn id="8" fill="hold">
+                            <p:stCondLst>
+                              <p:cond delay="0"/>
+                            </p:stCondLst>
+                            <p:childTnLst>
+                              <p:par>
+                                <p:cTn id="9" presetID="1" presetClass="entr" presetSubtype="0" fill="hold" nodeType="clickEffect">
+                                  <p:stCondLst>
+                                    <p:cond delay="0"/>
+                                  </p:stCondLst>
+                                  <p:childTnLst>
+                                    <p:set>
+                                      <p:cBhvr>
+                                        <p:cTn id="10" dur="1" fill="hold">
+                                          <p:stCondLst>
+                                            <p:cond delay="0"/>
+                                          </p:stCondLst>
+                                        </p:cTn>
+                                        <p:tgtEl>
+                                          <p:spTgt spid="7"/>
+                                        </p:tgtEl>
+                                        <p:attrNameLst>
+                                          <p:attrName>style.visibility</p:attrName>
+                                        </p:attrNameLst>
+                                      </p:cBhvr>
+                                      <p:to>
+                                        <p:strVal val="visible"/>
+                                      </p:to>
+                                    </p:set>
+                                  </p:childTnLst>
+                                </p:cTn>
+                              </p:par>
+                            </p:childTnLst>
+                          </p:cTn>
+                        </p:par>
+                      </p:childTnLst>
+                    </p:cTn>
+                  </p:par>
+                  <p:par>
+                    <p:cTn id="11" fill="hold">
+                      <p:stCondLst>
+                        <p:cond delay="indefinite"/>
+                      </p:stCondLst>
+                      <p:childTnLst>
+                        <p:par>
+                          <p:cTn id="12" fill="hold">
+                            <p:stCondLst>
+                              <p:cond delay="0"/>
+                            </p:stCondLst>
+                            <p:childTnLst>
+                              <p:par>
+                                <p:cTn id="13" presetID="1" presetClass="entr" presetSubtype="0" fill="hold" nodeType="clickEffect">
+                                  <p:stCondLst>
+                                    <p:cond delay="0"/>
+                                  </p:stCondLst>
+                                  <p:childTnLst>
+                                    <p:set>
+                                      <p:cBhvr>
+                                        <p:cTn id="14" dur="1" fill="hold">
+                                          <p:stCondLst>
+                                            <p:cond delay="0"/>
+                                          </p:stCondLst>
+                                        </p:cTn>
+                                        <p:tgtEl>
+                                          <p:spTgt spid="9"/>
+                                        </p:tgtEl>
+                                        <p:attrNameLst>
+                                          <p:attrName>style.visibility</p:attrName>
+                                        </p:attrNameLst>
+                                      </p:cBhvr>
+                                      <p:to>
+                                        <p:strVal val="visible"/>
+                                      </p:to>
+                                    </p:set>
+                                  </p:childTnLst>
+                                </p:cTn>
+                              </p:par>
+                            </p:childTnLst>
+                          </p:cTn>
+                        </p:par>
+                      </p:childTnLst>
+                    </p:cTn>
+                  </p:par>
+                  <p:par>
+                    <p:cTn id="15" fill="hold">
+                      <p:stCondLst>
+                        <p:cond delay="indefinite"/>
+                      </p:stCondLst>
+                      <p:childTnLst>
+                        <p:par>
+                          <p:cTn id="16" fill="hold">
+                            <p:stCondLst>
+                              <p:cond delay="0"/>
+                            </p:stCondLst>
+                            <p:childTnLst>
+                              <p:par>
+                                <p:cTn id="17" presetID="1" presetClass="entr" presetSubtype="0" fill="hold" nodeType="clickEffect">
+                                  <p:stCondLst>
+                                    <p:cond delay="0"/>
+                                  </p:stCondLst>
+                                  <p:childTnLst>
+                                    <p:set>
+                                      <p:cBhvr>
+                                        <p:cTn id="18" dur="1" fill="hold">
+                                          <p:stCondLst>
+                                            <p:cond delay="0"/>
+                                          </p:stCondLst>
+                                        </p:cTn>
+                                        <p:tgtEl>
+                                          <p:spTgt spid="11"/>
+                                        </p:tgtEl>
+                                        <p:attrNameLst>
+                                          <p:attrName>style.visibility</p:attrName>
+                                        </p:attrNameLst>
+                                      </p:cBhvr>
+                                      <p:to>
+                                        <p:strVal val="visible"/>
+                                      </p:to>
+                                    </p:set>
+                                  </p:childTnLst>
+                                </p:cTn>
+                              </p:par>
+                            </p:childTnLst>
+                          </p:cTn>
+                        </p:par>
+                      </p:childTnLst>
+                    </p:cTn>
+                  </p:par>
+                  <p:par>
+                    <p:cTn id="19" fill="hold">
+                      <p:stCondLst>
+                        <p:cond delay="indefinite"/>
+                      </p:stCondLst>
+                      <p:childTnLst>
+                        <p:par>
+                          <p:cTn id="20" fill="hold">
+                            <p:stCondLst>
+                              <p:cond delay="0"/>
+                            </p:stCondLst>
+                            <p:childTnLst>
+                              <p:par>
+                                <p:cTn id="21" presetID="1" presetClass="entr" presetSubtype="0" fill="hold" nodeType="clickEffect">
+                                  <p:stCondLst>
+                                    <p:cond delay="0"/>
+                                  </p:stCondLst>
+                                  <p:childTnLst>
+                                    <p:set>
+                                      <p:cBhvr>
+                                        <p:cTn id="22" dur="1" fill="hold">
+                                          <p:stCondLst>
+                                            <p:cond delay="0"/>
+                                          </p:stCondLst>
+                                        </p:cTn>
+                                        <p:tgtEl>
+                                          <p:spTgt spid="13"/>
+                                        </p:tgtEl>
+                                        <p:attrNameLst>
+                                          <p:attrName>style.visibility</p:attrName>
+                                        </p:attrNameLst>
+                                      </p:cBhvr>
+                                      <p:to>
+                                        <p:strVal val="visible"/>
+                                      </p:to>
+                                    </p:set>
+                                  </p:childTnLst>
+                                </p:cTn>
+                              </p:par>
+                            </p:childTnLst>
+                          </p:cTn>
+                        </p:par>
+                      </p:childTnLst>
+                    </p:cTn>
+                  </p:par>
+                  <p:par>
+                    <p:cTn id="23" fill="hold">
+                      <p:stCondLst>
+                        <p:cond delay="indefinite"/>
+                      </p:stCondLst>
+                      <p:childTnLst>
+                        <p:par>
+                          <p:cTn id="24" fill="hold">
+                            <p:stCondLst>
+                              <p:cond delay="0"/>
+                            </p:stCondLst>
+                            <p:childTnLst>
+                              <p:par>
+                                <p:cTn id="25" presetID="1" presetClass="entr" presetSubtype="0" fill="hold" nodeType="clickEffect">
+                                  <p:stCondLst>
+                                    <p:cond delay="0"/>
+                                  </p:stCondLst>
+                                  <p:childTnLst>
+                                    <p:set>
+                                      <p:cBhvr>
+                                        <p:cTn id="26" dur="1" fill="hold">
+                                          <p:stCondLst>
+                                            <p:cond delay="0"/>
+                                          </p:stCondLst>
+                                        </p:cTn>
+                                        <p:tgtEl>
+                                          <p:spTgt spid="15"/>
+                                        </p:tgtEl>
+                                        <p:attrNameLst>
+                                          <p:attrName>style.visibility</p:attrName>
+                                        </p:attrNameLst>
+                                      </p:cBhvr>
+                                      <p:to>
+                                        <p:strVal val="visible"/>
+                                      </p:to>
+                                    </p:set>
+                                  </p:childTnLst>
+                                </p:cTn>
+                              </p:par>
+                            </p:childTnLst>
+                          </p:cTn>
+                        </p:par>
+                      </p:childTnLst>
+                    </p:cTn>
+                  </p:par>
+                  <p:par>
+                    <p:cTn id="27" fill="hold">
+                      <p:stCondLst>
+                        <p:cond delay="indefinite"/>
+                      </p:stCondLst>
+                      <p:childTnLst>
+                        <p:par>
+                          <p:cTn id="28" fill="hold">
+                            <p:stCondLst>
+                              <p:cond delay="0"/>
+                            </p:stCondLst>
+                            <p:childTnLst>
+                              <p:par>
+                                <p:cTn id="29" presetID="1" presetClass="entr" presetSubtype="0" fill="hold" nodeType="clickEffect">
+                                  <p:stCondLst>
+                                    <p:cond delay="0"/>
+                                  </p:stCondLst>
+                                  <p:childTnLst>
+                                    <p:set>
+                                      <p:cBhvr>
+                                        <p:cTn id="30" dur="1" fill="hold">
+                                          <p:stCondLst>
+                                            <p:cond delay="0"/>
+                                          </p:stCondLst>
+                                        </p:cTn>
+                                        <p:tgtEl>
+                                          <p:spTgt spid="17"/>
+                                        </p:tgtEl>
+                                        <p:attrNameLst>
+                                          <p:attrName>style.visibility</p:attrName>
+                                        </p:attrNameLst>
+                                      </p:cBhvr>
+                                      <p:to>
+                                        <p:strVal val="visible"/>
+                                      </p:to>
+                                    </p:set>
+                                  </p:childTnLst>
+                                </p:cTn>
+                              </p:par>
+                            </p:childTnLst>
+                          </p:cTn>
+                        </p:par>
+                      </p:childTnLst>
+                    </p:cTn>
+                  </p:par>
+                </p:childTnLst>
+              </p:cTn>
+              <p:prevCondLst>
+                <p:cond evt="onPrev" delay="0">
+                  <p:tgtEl>
+                    <p:sldTgt/>
+                  </p:tgtEl>
+                </p:cond>
+              </p:prevCondLst>
+              <p:nextCondLst>
+                <p:cond evt="onNext" delay="0">
+                  <p:tgtEl>
+                    <p:sldTgt/>
+                  </p:tgtEl>
+                </p:cond>
+              </p:nextCondLst>
+            </p:seq>
+          </p:childTnLst>
+        </p:cTn>
+      </p:par>
+    </p:tnLst>
+  </p:timing>
+</p:sld>
+</file>
+
+<file path=ppt/slides/slide9.xml><?xml version="1.0" encoding="utf-8"?>
+<p:sld xmlns:a="http://schemas.openxmlformats.org/drawingml/2006/main" xmlns:r="http://schemas.openxmlformats.org/officeDocument/2006/relationships" xmlns:p="http://schemas.openxmlformats.org/presentationml/2006/main">
+  <p:cSld>
     <p:bg>
       <p:bgPr>
         <a:solidFill>
@@ -42362,7 +43414,7 @@
                 <a16:creationId xmlns:a16="http://schemas.microsoft.com/office/drawing/2014/main" id="{B0890400-BB8B-4A44-AB63-65C7CA223EBA}"/>
               </a:ext>
               <a:ext uri="{C183D7F6-B498-43B3-948B-1728B52AA6E4}">
-                <adec:decorative xmlns:adec="http://schemas.microsoft.com/office/drawing/2017/decorative" val="1"/>
+                <adec:decorative xmlns:adec="http://schemas.microsoft.com/office/drawing/2017/decorative" xmlns="" val="1"/>
               </a:ext>
             </a:extLst>
           </p:cNvPr>
@@ -42459,7 +43511,7 @@
                 <a16:creationId xmlns:a16="http://schemas.microsoft.com/office/drawing/2014/main" id="{4D39B797-CDC6-4529-8A36-9CBFC9816337}"/>
               </a:ext>
               <a:ext uri="{C183D7F6-B498-43B3-948B-1728B52AA6E4}">
-                <adec:decorative xmlns:adec="http://schemas.microsoft.com/office/drawing/2017/decorative" val="1"/>
+                <adec:decorative xmlns:adec="http://schemas.microsoft.com/office/drawing/2017/decorative" xmlns="" val="1"/>
               </a:ext>
             </a:extLst>
           </p:cNvPr>
